--- a/Spring 2018/Design and Analysis of Algorithms/Research Project/Presentation/Presentation.pptx
+++ b/Spring 2018/Design and Analysis of Algorithms/Research Project/Presentation/Presentation.pptx
@@ -224,7 +224,7 @@
           <a:p>
             <a:fld id="{1AF5F2FE-A072-4B3D-B491-0B04188A9056}" type="datetimeFigureOut">
               <a:rPr lang="en-US" smtClean="0"/>
-              <a:t>4/8/2018</a:t>
+              <a:t>4/9/2018</a:t>
             </a:fld>
             <a:endParaRPr lang="en-US"/>
           </a:p>
@@ -638,7 +638,7 @@
           <a:p>
             <a:fld id="{356611C6-332D-4C37-96E2-7F97A9BDB931}" type="datetime1">
               <a:rPr lang="en-US" smtClean="0"/>
-              <a:t>4/8/2018</a:t>
+              <a:t>4/9/2018</a:t>
             </a:fld>
             <a:endParaRPr lang="en-US"/>
           </a:p>
@@ -839,7 +839,7 @@
           <a:p>
             <a:fld id="{890E92DC-ED22-401B-A242-83B488FECE37}" type="datetime1">
               <a:rPr lang="en-US" smtClean="0"/>
-              <a:t>4/8/2018</a:t>
+              <a:t>4/9/2018</a:t>
             </a:fld>
             <a:endParaRPr lang="en-US"/>
           </a:p>
@@ -1050,7 +1050,7 @@
           <a:p>
             <a:fld id="{5BEB23B3-45B8-4CE9-8C52-9138CEE1E9EF}" type="datetime1">
               <a:rPr lang="en-US" smtClean="0"/>
-              <a:t>4/8/2018</a:t>
+              <a:t>4/9/2018</a:t>
             </a:fld>
             <a:endParaRPr lang="en-US"/>
           </a:p>
@@ -1251,7 +1251,7 @@
           <a:p>
             <a:fld id="{053CA760-026A-489D-9E74-9CCF3C6DEE0C}" type="datetime1">
               <a:rPr lang="en-US" smtClean="0"/>
-              <a:t>4/8/2018</a:t>
+              <a:t>4/9/2018</a:t>
             </a:fld>
             <a:endParaRPr lang="en-US"/>
           </a:p>
@@ -1529,7 +1529,7 @@
           <a:p>
             <a:fld id="{DC6D2640-87FF-4693-B2B0-0B4CAD60287C}" type="datetime1">
               <a:rPr lang="en-US" smtClean="0"/>
-              <a:t>4/8/2018</a:t>
+              <a:t>4/9/2018</a:t>
             </a:fld>
             <a:endParaRPr lang="en-US"/>
           </a:p>
@@ -1797,7 +1797,7 @@
           <a:p>
             <a:fld id="{164F4055-43CA-4CE7-A484-D7CC557BB876}" type="datetime1">
               <a:rPr lang="en-US" smtClean="0"/>
-              <a:t>4/8/2018</a:t>
+              <a:t>4/9/2018</a:t>
             </a:fld>
             <a:endParaRPr lang="en-US"/>
           </a:p>
@@ -2212,7 +2212,7 @@
           <a:p>
             <a:fld id="{037B43AA-982F-44D8-B3D2-8D615616B05E}" type="datetime1">
               <a:rPr lang="en-US" smtClean="0"/>
-              <a:t>4/8/2018</a:t>
+              <a:t>4/9/2018</a:t>
             </a:fld>
             <a:endParaRPr lang="en-US"/>
           </a:p>
@@ -2356,7 +2356,7 @@
           <a:p>
             <a:fld id="{290F3D94-C5C7-4AD0-83FC-12861A3AEF61}" type="datetime1">
               <a:rPr lang="en-US" smtClean="0"/>
-              <a:t>4/8/2018</a:t>
+              <a:t>4/9/2018</a:t>
             </a:fld>
             <a:endParaRPr lang="en-US"/>
           </a:p>
@@ -2472,7 +2472,7 @@
           <a:p>
             <a:fld id="{3E338E03-ACBA-4F33-A4F8-611E20B19206}" type="datetime1">
               <a:rPr lang="en-US" smtClean="0"/>
-              <a:t>4/8/2018</a:t>
+              <a:t>4/9/2018</a:t>
             </a:fld>
             <a:endParaRPr lang="en-US"/>
           </a:p>
@@ -2786,7 +2786,7 @@
           <a:p>
             <a:fld id="{88A2276F-E918-4C9F-A85C-4232C1481B3B}" type="datetime1">
               <a:rPr lang="en-US" smtClean="0"/>
-              <a:t>4/8/2018</a:t>
+              <a:t>4/9/2018</a:t>
             </a:fld>
             <a:endParaRPr lang="en-US"/>
           </a:p>
@@ -3077,7 +3077,7 @@
           <a:p>
             <a:fld id="{79823708-8AB9-4BBA-B9DC-81308311464A}" type="datetime1">
               <a:rPr lang="en-US" smtClean="0"/>
-              <a:t>4/8/2018</a:t>
+              <a:t>4/9/2018</a:t>
             </a:fld>
             <a:endParaRPr lang="en-US"/>
           </a:p>
@@ -3321,7 +3321,7 @@
           <a:p>
             <a:fld id="{17E25D1E-AC31-449E-9158-6677BC818810}" type="datetime1">
               <a:rPr lang="en-US" smtClean="0"/>
-              <a:t>4/8/2018</a:t>
+              <a:t>4/9/2018</a:t>
             </a:fld>
             <a:endParaRPr lang="en-US"/>
           </a:p>
@@ -6110,6 +6110,236 @@
               </a:rPr>
               <a:t>Design &amp; Analysis of Algorithms Spring 2018</a:t>
             </a:r>
+          </a:p>
+        </p:txBody>
+      </p:sp>
+      <p:sp>
+        <p:nvSpPr>
+          <p:cNvPr id="6" name="TextBox 5">
+            <a:extLst>
+              <a:ext uri="{FF2B5EF4-FFF2-40B4-BE49-F238E27FC236}">
+                <a16:creationId xmlns:a16="http://schemas.microsoft.com/office/drawing/2014/main" id="{C5E533CA-409C-4897-AA00-B09016DAC766}"/>
+              </a:ext>
+            </a:extLst>
+          </p:cNvPr>
+          <p:cNvSpPr txBox="1"/>
+          <p:nvPr/>
+        </p:nvSpPr>
+        <p:spPr>
+          <a:xfrm>
+            <a:off x="382554" y="470582"/>
+            <a:ext cx="4609323" cy="584775"/>
+          </a:xfrm>
+          <a:prstGeom prst="rect">
+            <a:avLst/>
+          </a:prstGeom>
+          <a:noFill/>
+        </p:spPr>
+        <p:txBody>
+          <a:bodyPr wrap="square" rtlCol="0">
+            <a:spAutoFit/>
+          </a:bodyPr>
+          <a:lstStyle/>
+          <a:p>
+            <a:r>
+              <a:rPr lang="en-US" sz="3200" dirty="0"/>
+              <a:t>Sources:</a:t>
+            </a:r>
+            <a:endParaRPr lang="en-US" sz="2800" dirty="0"/>
+          </a:p>
+        </p:txBody>
+      </p:sp>
+      <p:sp>
+        <p:nvSpPr>
+          <p:cNvPr id="8" name="TextBox 7">
+            <a:extLst>
+              <a:ext uri="{FF2B5EF4-FFF2-40B4-BE49-F238E27FC236}">
+                <a16:creationId xmlns:a16="http://schemas.microsoft.com/office/drawing/2014/main" id="{0F3F298F-7F58-45E4-86E5-7188F1EB3EA7}"/>
+              </a:ext>
+            </a:extLst>
+          </p:cNvPr>
+          <p:cNvSpPr txBox="1"/>
+          <p:nvPr/>
+        </p:nvSpPr>
+        <p:spPr>
+          <a:xfrm>
+            <a:off x="1219200" y="1371600"/>
+            <a:ext cx="9982200" cy="4893647"/>
+          </a:xfrm>
+          <a:prstGeom prst="rect">
+            <a:avLst/>
+          </a:prstGeom>
+          <a:noFill/>
+        </p:spPr>
+        <p:txBody>
+          <a:bodyPr wrap="square" rtlCol="0">
+            <a:spAutoFit/>
+          </a:bodyPr>
+          <a:lstStyle/>
+          <a:p>
+            <a:r>
+              <a:rPr lang="en-US" sz="1200" b="1" dirty="0"/>
+              <a:t>Neural Network Basics</a:t>
+            </a:r>
+          </a:p>
+          <a:p>
+            <a:r>
+              <a:rPr lang="en-US" sz="1200" dirty="0"/>
+              <a:t>http://neuralnetworksanddeeplearning.com</a:t>
+            </a:r>
+          </a:p>
+          <a:p>
+            <a:r>
+              <a:rPr lang="en-US" sz="1200" dirty="0"/>
+              <a:t>https://github.com/stephencwelch/Neural-Networks-Demystified</a:t>
+            </a:r>
+          </a:p>
+          <a:p>
+            <a:r>
+              <a:rPr lang="en-US" sz="1200" dirty="0"/>
+              <a:t>https://wiseodd.github.io</a:t>
+            </a:r>
+          </a:p>
+          <a:p>
+            <a:endParaRPr lang="en-US" sz="1200" dirty="0"/>
+          </a:p>
+          <a:p>
+            <a:r>
+              <a:rPr lang="en-US" sz="1200" b="1" dirty="0"/>
+              <a:t>Backpropagation</a:t>
+            </a:r>
+          </a:p>
+          <a:p>
+            <a:r>
+              <a:rPr lang="en-US" sz="1200" dirty="0"/>
+              <a:t>https://mattmazur.com/2015/03/17/a-step-by-step-backpropagation-example/</a:t>
+            </a:r>
+          </a:p>
+          <a:p>
+            <a:endParaRPr lang="en-US" sz="1200"/>
+          </a:p>
+          <a:p>
+            <a:r>
+              <a:rPr lang="en-US" sz="1200"/>
+              <a:t>Jahangir</a:t>
+            </a:r>
+            <a:r>
+              <a:rPr lang="en-US" sz="1200" dirty="0"/>
+              <a:t>, Mostafa, et al. “Design of a Fast Convergent Backpropagation Algorithm Based on Optimal Control Theory.” </a:t>
+            </a:r>
+            <a:r>
+              <a:rPr lang="en-US" sz="1200" i="1" dirty="0"/>
+              <a:t>Nonlinear Dynamics</a:t>
+            </a:r>
+            <a:r>
+              <a:rPr lang="en-US" sz="1200" dirty="0"/>
+              <a:t>, vol. 70, no. 2, 2012, pp. 1051–1059., doi:10.1007/s11071-012-0512-1.</a:t>
+            </a:r>
+          </a:p>
+          <a:p>
+            <a:r>
+              <a:rPr lang="en-US" sz="1200" dirty="0"/>
+              <a:t>International Journal of Soft Computing and Engineering (IJSCE)</a:t>
+            </a:r>
+          </a:p>
+          <a:p>
+            <a:r>
+              <a:rPr lang="en-US" sz="1200" dirty="0"/>
+              <a:t>ISSN: 2231-2307, Volume-1, Issue-1, March 2011</a:t>
+            </a:r>
+          </a:p>
+          <a:p>
+            <a:endParaRPr lang="en-US" sz="1200" dirty="0"/>
+          </a:p>
+          <a:p>
+            <a:r>
+              <a:rPr lang="en-US" sz="1200" dirty="0"/>
+              <a:t>Hashem, </a:t>
+            </a:r>
+            <a:r>
+              <a:rPr lang="en-US" sz="1200" dirty="0" err="1"/>
+              <a:t>Tahsina</a:t>
+            </a:r>
+            <a:r>
+              <a:rPr lang="en-US" sz="1200" dirty="0"/>
+              <a:t>, et al. “Handwritten Bangla Digit Recognition Employing Hybrid Neural Network Approach.” </a:t>
+            </a:r>
+            <a:r>
+              <a:rPr lang="en-US" sz="1200" i="1" dirty="0"/>
+              <a:t>16th Int'l Conf. Computer and Information Technology</a:t>
+            </a:r>
+            <a:r>
+              <a:rPr lang="en-US" sz="1200" dirty="0"/>
+              <a:t>, 2014, doi:10.1109/iccitechn.2014.6997353.</a:t>
+            </a:r>
+          </a:p>
+          <a:p>
+            <a:endParaRPr lang="en-US" sz="1200" dirty="0"/>
+          </a:p>
+          <a:p>
+            <a:r>
+              <a:rPr lang="en-US" sz="1200" dirty="0" err="1"/>
+              <a:t>Lecun</a:t>
+            </a:r>
+            <a:r>
+              <a:rPr lang="en-US" sz="1200" dirty="0"/>
+              <a:t>, Yann A., et al. “Efficient </a:t>
+            </a:r>
+            <a:r>
+              <a:rPr lang="en-US" sz="1200" dirty="0" err="1"/>
+              <a:t>BackProp</a:t>
+            </a:r>
+            <a:r>
+              <a:rPr lang="en-US" sz="1200" dirty="0"/>
+              <a:t>.” </a:t>
+            </a:r>
+            <a:r>
+              <a:rPr lang="en-US" sz="1200" i="1" dirty="0"/>
+              <a:t>Lecture Notes in Computer Science Neural Networks: Tricks of the Trade</a:t>
+            </a:r>
+            <a:r>
+              <a:rPr lang="en-US" sz="1200" dirty="0"/>
+              <a:t>, 2012, pp. 9–48., doi:10.1007/978-3-642-35289-8_3</a:t>
+            </a:r>
+          </a:p>
+          <a:p>
+            <a:endParaRPr lang="en-US" sz="1200" dirty="0"/>
+          </a:p>
+          <a:p>
+            <a:endParaRPr lang="en-US" sz="1200" dirty="0"/>
+          </a:p>
+          <a:p>
+            <a:r>
+              <a:rPr lang="en-US" sz="1200" b="1" dirty="0"/>
+              <a:t>Optimization</a:t>
+            </a:r>
+          </a:p>
+          <a:p>
+            <a:r>
+              <a:rPr lang="en-US" sz="1200" dirty="0"/>
+              <a:t>http://ruder.io/optimizing-gradient-descent/</a:t>
+            </a:r>
+          </a:p>
+          <a:p>
+            <a:r>
+              <a:rPr lang="en-US" sz="1200" dirty="0"/>
+              <a:t>https://towardsdatascience.com/stochastic-gradient-descent-with-momentum-a84097641a5d</a:t>
+            </a:r>
+          </a:p>
+          <a:p>
+            <a:r>
+              <a:rPr lang="en-US" sz="1200" dirty="0"/>
+              <a:t>http://climin.readthedocs.io/en/latest/rmsprop.html</a:t>
+            </a:r>
+          </a:p>
+          <a:p>
+            <a:r>
+              <a:rPr lang="en-US" sz="1200" dirty="0"/>
+              <a:t>http://ruder.io/optimizing-gradient-descent/index.html#nesterovacceleratedgradient</a:t>
+            </a:r>
+          </a:p>
+          <a:p>
+            <a:endParaRPr lang="en-US" sz="1200" dirty="0"/>
           </a:p>
         </p:txBody>
       </p:sp>

--- a/Spring 2018/Design and Analysis of Algorithms/Research Project/Presentation/Presentation.pptx
+++ b/Spring 2018/Design and Analysis of Algorithms/Research Project/Presentation/Presentation.pptx
@@ -5,7 +5,7 @@
     <p:sldMasterId id="2147483648" r:id="rId1"/>
   </p:sldMasterIdLst>
   <p:notesMasterIdLst>
-    <p:notesMasterId r:id="rId19"/>
+    <p:notesMasterId r:id="rId17"/>
   </p:notesMasterIdLst>
   <p:sldIdLst>
     <p:sldId id="256" r:id="rId2"/>
@@ -13,18 +13,16 @@
     <p:sldId id="260" r:id="rId4"/>
     <p:sldId id="261" r:id="rId5"/>
     <p:sldId id="262" r:id="rId6"/>
-    <p:sldId id="263" r:id="rId7"/>
-    <p:sldId id="264" r:id="rId8"/>
-    <p:sldId id="265" r:id="rId9"/>
-    <p:sldId id="258" r:id="rId10"/>
-    <p:sldId id="259" r:id="rId11"/>
+    <p:sldId id="259" r:id="rId7"/>
+    <p:sldId id="263" r:id="rId8"/>
+    <p:sldId id="264" r:id="rId9"/>
+    <p:sldId id="265" r:id="rId10"/>
+    <p:sldId id="258" r:id="rId11"/>
     <p:sldId id="266" r:id="rId12"/>
     <p:sldId id="267" r:id="rId13"/>
     <p:sldId id="268" r:id="rId14"/>
     <p:sldId id="269" r:id="rId15"/>
-    <p:sldId id="270" r:id="rId16"/>
-    <p:sldId id="271" r:id="rId17"/>
-    <p:sldId id="272" r:id="rId18"/>
+    <p:sldId id="272" r:id="rId16"/>
   </p:sldIdLst>
   <p:sldSz cx="12192000" cy="6858000"/>
   <p:notesSz cx="6858000" cy="9144000"/>
@@ -4028,7 +4026,7 @@
         <p:spPr>
           <a:xfrm>
             <a:off x="3147526" y="3900026"/>
-            <a:ext cx="5896947" cy="369332"/>
+            <a:ext cx="5896947" cy="400110"/>
           </a:xfrm>
           <a:prstGeom prst="rect">
             <a:avLst/>
@@ -4043,7 +4041,7 @@
           <a:p>
             <a:pPr algn="ctr"/>
             <a:r>
-              <a:rPr lang="en-US" dirty="0"/>
+              <a:rPr lang="en-US" sz="2000" dirty="0"/>
               <a:t>Bryan Greener</a:t>
             </a:r>
           </a:p>
@@ -4307,10 +4305,159 @@
           </a:p>
         </p:txBody>
       </p:sp>
+      <p:sp>
+        <p:nvSpPr>
+          <p:cNvPr id="6" name="TextBox 5">
+            <a:extLst>
+              <a:ext uri="{FF2B5EF4-FFF2-40B4-BE49-F238E27FC236}">
+                <a16:creationId xmlns:a16="http://schemas.microsoft.com/office/drawing/2014/main" id="{D7C9DAA8-2615-4EE8-8AA3-C18030E2EF0A}"/>
+              </a:ext>
+            </a:extLst>
+          </p:cNvPr>
+          <p:cNvSpPr txBox="1"/>
+          <p:nvPr/>
+        </p:nvSpPr>
+        <p:spPr>
+          <a:xfrm>
+            <a:off x="382554" y="470582"/>
+            <a:ext cx="4609323" cy="1015663"/>
+          </a:xfrm>
+          <a:prstGeom prst="rect">
+            <a:avLst/>
+          </a:prstGeom>
+          <a:noFill/>
+        </p:spPr>
+        <p:txBody>
+          <a:bodyPr wrap="square" rtlCol="0">
+            <a:spAutoFit/>
+          </a:bodyPr>
+          <a:lstStyle/>
+          <a:p>
+            <a:r>
+              <a:rPr lang="en-US" sz="3200" dirty="0"/>
+              <a:t>RESULTS:</a:t>
+            </a:r>
+          </a:p>
+          <a:p>
+            <a:r>
+              <a:rPr lang="en-US" sz="2800" dirty="0"/>
+              <a:t>Time</a:t>
+            </a:r>
+          </a:p>
+        </p:txBody>
+      </p:sp>
+      <p:pic>
+        <p:nvPicPr>
+          <p:cNvPr id="3" name="Picture 2">
+            <a:extLst>
+              <a:ext uri="{FF2B5EF4-FFF2-40B4-BE49-F238E27FC236}">
+                <a16:creationId xmlns:a16="http://schemas.microsoft.com/office/drawing/2014/main" id="{F73DB939-74A5-4D51-A8F4-4252BD531023}"/>
+              </a:ext>
+            </a:extLst>
+          </p:cNvPr>
+          <p:cNvPicPr>
+            <a:picLocks noChangeAspect="1"/>
+          </p:cNvPicPr>
+          <p:nvPr/>
+        </p:nvPicPr>
+        <p:blipFill>
+          <a:blip r:embed="rId2">
+            <a:extLst>
+              <a:ext uri="{28A0092B-C50C-407E-A947-70E740481C1C}">
+                <a14:useLocalDpi xmlns:a14="http://schemas.microsoft.com/office/drawing/2010/main" val="0"/>
+              </a:ext>
+            </a:extLst>
+          </a:blip>
+          <a:stretch>
+            <a:fillRect/>
+          </a:stretch>
+        </p:blipFill>
+        <p:spPr>
+          <a:xfrm>
+            <a:off x="52274" y="1912618"/>
+            <a:ext cx="4043685" cy="3032764"/>
+          </a:xfrm>
+          <a:prstGeom prst="rect">
+            <a:avLst/>
+          </a:prstGeom>
+        </p:spPr>
+      </p:pic>
+      <p:pic>
+        <p:nvPicPr>
+          <p:cNvPr id="9" name="Picture 8">
+            <a:extLst>
+              <a:ext uri="{FF2B5EF4-FFF2-40B4-BE49-F238E27FC236}">
+                <a16:creationId xmlns:a16="http://schemas.microsoft.com/office/drawing/2014/main" id="{B2D2152E-730E-4E34-B8C9-8E2CF7332542}"/>
+              </a:ext>
+            </a:extLst>
+          </p:cNvPr>
+          <p:cNvPicPr>
+            <a:picLocks noChangeAspect="1"/>
+          </p:cNvPicPr>
+          <p:nvPr/>
+        </p:nvPicPr>
+        <p:blipFill>
+          <a:blip r:embed="rId3">
+            <a:extLst>
+              <a:ext uri="{28A0092B-C50C-407E-A947-70E740481C1C}">
+                <a14:useLocalDpi xmlns:a14="http://schemas.microsoft.com/office/drawing/2010/main" val="0"/>
+              </a:ext>
+            </a:extLst>
+          </a:blip>
+          <a:stretch>
+            <a:fillRect/>
+          </a:stretch>
+        </p:blipFill>
+        <p:spPr>
+          <a:xfrm>
+            <a:off x="4074157" y="1912618"/>
+            <a:ext cx="4043685" cy="3032764"/>
+          </a:xfrm>
+          <a:prstGeom prst="rect">
+            <a:avLst/>
+          </a:prstGeom>
+        </p:spPr>
+      </p:pic>
+      <p:pic>
+        <p:nvPicPr>
+          <p:cNvPr id="11" name="Picture 10">
+            <a:extLst>
+              <a:ext uri="{FF2B5EF4-FFF2-40B4-BE49-F238E27FC236}">
+                <a16:creationId xmlns:a16="http://schemas.microsoft.com/office/drawing/2014/main" id="{61FEB999-4ED5-45B5-BD12-01F50C3EB84E}"/>
+              </a:ext>
+            </a:extLst>
+          </p:cNvPr>
+          <p:cNvPicPr>
+            <a:picLocks noChangeAspect="1"/>
+          </p:cNvPicPr>
+          <p:nvPr/>
+        </p:nvPicPr>
+        <p:blipFill>
+          <a:blip r:embed="rId4">
+            <a:extLst>
+              <a:ext uri="{28A0092B-C50C-407E-A947-70E740481C1C}">
+                <a14:useLocalDpi xmlns:a14="http://schemas.microsoft.com/office/drawing/2010/main" val="0"/>
+              </a:ext>
+            </a:extLst>
+          </a:blip>
+          <a:stretch>
+            <a:fillRect/>
+          </a:stretch>
+        </p:blipFill>
+        <p:spPr>
+          <a:xfrm>
+            <a:off x="8001000" y="1912618"/>
+            <a:ext cx="4043685" cy="3032764"/>
+          </a:xfrm>
+          <a:prstGeom prst="rect">
+            <a:avLst/>
+          </a:prstGeom>
+        </p:spPr>
+      </p:pic>
     </p:spTree>
     <p:extLst>
       <p:ext uri="{BB962C8B-B14F-4D97-AF65-F5344CB8AC3E}">
-        <p14:creationId xmlns:p14="http://schemas.microsoft.com/office/powerpoint/2010/main" val="1808343792"/>
+        <p14:creationId xmlns:p14="http://schemas.microsoft.com/office/powerpoint/2010/main" val="2110872427"/>
       </p:ext>
     </p:extLst>
   </p:cSld>
@@ -4561,6 +4708,97 @@
                 </a:solidFill>
               </a:rPr>
               <a:t>Design &amp; Analysis of Algorithms Spring 2018</a:t>
+            </a:r>
+          </a:p>
+        </p:txBody>
+      </p:sp>
+      <p:sp>
+        <p:nvSpPr>
+          <p:cNvPr id="6" name="TextBox 5">
+            <a:extLst>
+              <a:ext uri="{FF2B5EF4-FFF2-40B4-BE49-F238E27FC236}">
+                <a16:creationId xmlns:a16="http://schemas.microsoft.com/office/drawing/2014/main" id="{B14CC4BF-DE6A-49BB-BCA4-0F92D840EA2F}"/>
+              </a:ext>
+            </a:extLst>
+          </p:cNvPr>
+          <p:cNvSpPr txBox="1"/>
+          <p:nvPr/>
+        </p:nvSpPr>
+        <p:spPr>
+          <a:xfrm>
+            <a:off x="2869163" y="1981200"/>
+            <a:ext cx="6453674" cy="830997"/>
+          </a:xfrm>
+          <a:prstGeom prst="rect">
+            <a:avLst/>
+          </a:prstGeom>
+          <a:noFill/>
+        </p:spPr>
+        <p:txBody>
+          <a:bodyPr wrap="square" rtlCol="0">
+            <a:spAutoFit/>
+          </a:bodyPr>
+          <a:lstStyle/>
+          <a:p>
+            <a:pPr algn="ctr"/>
+            <a:r>
+              <a:rPr lang="en-US" sz="4800" dirty="0"/>
+              <a:t>Optimized Program</a:t>
+            </a:r>
+          </a:p>
+        </p:txBody>
+      </p:sp>
+      <p:sp>
+        <p:nvSpPr>
+          <p:cNvPr id="8" name="TextBox 7">
+            <a:extLst>
+              <a:ext uri="{FF2B5EF4-FFF2-40B4-BE49-F238E27FC236}">
+                <a16:creationId xmlns:a16="http://schemas.microsoft.com/office/drawing/2014/main" id="{584E25A6-778E-457A-A607-97BA7CCF6B5F}"/>
+              </a:ext>
+            </a:extLst>
+          </p:cNvPr>
+          <p:cNvSpPr txBox="1"/>
+          <p:nvPr/>
+        </p:nvSpPr>
+        <p:spPr>
+          <a:xfrm>
+            <a:off x="2286000" y="3188845"/>
+            <a:ext cx="7417837" cy="1077218"/>
+          </a:xfrm>
+          <a:prstGeom prst="rect">
+            <a:avLst/>
+          </a:prstGeom>
+          <a:noFill/>
+        </p:spPr>
+        <p:txBody>
+          <a:bodyPr wrap="square" rtlCol="0">
+            <a:spAutoFit/>
+          </a:bodyPr>
+          <a:lstStyle/>
+          <a:p>
+            <a:pPr algn="ctr"/>
+            <a:r>
+              <a:rPr lang="en-US" sz="3200" dirty="0"/>
+              <a:t>Gradient Descent Algorithm:</a:t>
+            </a:r>
+          </a:p>
+          <a:p>
+            <a:pPr algn="ctr"/>
+            <a:r>
+              <a:rPr lang="en-US" sz="3200" dirty="0" err="1"/>
+              <a:t>RMSprop</a:t>
+            </a:r>
+            <a:r>
+              <a:rPr lang="en-US" sz="3200" dirty="0"/>
+              <a:t> w/ </a:t>
+            </a:r>
+            <a:r>
+              <a:rPr lang="en-US" sz="3200" dirty="0" err="1"/>
+              <a:t>Nesterov</a:t>
+            </a:r>
+            <a:r>
+              <a:rPr lang="en-US" sz="3200" dirty="0"/>
+              <a:t> Momentum</a:t>
             </a:r>
           </a:p>
         </p:txBody>
@@ -4823,6 +5061,155 @@
           </a:p>
         </p:txBody>
       </p:sp>
+      <p:sp>
+        <p:nvSpPr>
+          <p:cNvPr id="6" name="TextBox 5">
+            <a:extLst>
+              <a:ext uri="{FF2B5EF4-FFF2-40B4-BE49-F238E27FC236}">
+                <a16:creationId xmlns:a16="http://schemas.microsoft.com/office/drawing/2014/main" id="{7D03D415-E52F-4616-9F93-6CDA0FC2455E}"/>
+              </a:ext>
+            </a:extLst>
+          </p:cNvPr>
+          <p:cNvSpPr txBox="1"/>
+          <p:nvPr/>
+        </p:nvSpPr>
+        <p:spPr>
+          <a:xfrm>
+            <a:off x="382554" y="470582"/>
+            <a:ext cx="4609323" cy="1015663"/>
+          </a:xfrm>
+          <a:prstGeom prst="rect">
+            <a:avLst/>
+          </a:prstGeom>
+          <a:noFill/>
+        </p:spPr>
+        <p:txBody>
+          <a:bodyPr wrap="square" rtlCol="0">
+            <a:spAutoFit/>
+          </a:bodyPr>
+          <a:lstStyle/>
+          <a:p>
+            <a:r>
+              <a:rPr lang="en-US" sz="3200" dirty="0"/>
+              <a:t>RESULTS:</a:t>
+            </a:r>
+          </a:p>
+          <a:p>
+            <a:r>
+              <a:rPr lang="en-US" sz="2800" dirty="0"/>
+              <a:t>Accuracy</a:t>
+            </a:r>
+          </a:p>
+        </p:txBody>
+      </p:sp>
+      <p:pic>
+        <p:nvPicPr>
+          <p:cNvPr id="3" name="Picture 2">
+            <a:extLst>
+              <a:ext uri="{FF2B5EF4-FFF2-40B4-BE49-F238E27FC236}">
+                <a16:creationId xmlns:a16="http://schemas.microsoft.com/office/drawing/2014/main" id="{CE75E611-1B69-4446-B8C6-C62FDC133913}"/>
+              </a:ext>
+            </a:extLst>
+          </p:cNvPr>
+          <p:cNvPicPr>
+            <a:picLocks noChangeAspect="1"/>
+          </p:cNvPicPr>
+          <p:nvPr/>
+        </p:nvPicPr>
+        <p:blipFill>
+          <a:blip r:embed="rId2">
+            <a:extLst>
+              <a:ext uri="{28A0092B-C50C-407E-A947-70E740481C1C}">
+                <a14:useLocalDpi xmlns:a14="http://schemas.microsoft.com/office/drawing/2010/main" val="0"/>
+              </a:ext>
+            </a:extLst>
+          </a:blip>
+          <a:stretch>
+            <a:fillRect/>
+          </a:stretch>
+        </p:blipFill>
+        <p:spPr>
+          <a:xfrm>
+            <a:off x="3985257" y="1845942"/>
+            <a:ext cx="4221486" cy="3166115"/>
+          </a:xfrm>
+          <a:prstGeom prst="rect">
+            <a:avLst/>
+          </a:prstGeom>
+        </p:spPr>
+      </p:pic>
+      <p:pic>
+        <p:nvPicPr>
+          <p:cNvPr id="9" name="Picture 8">
+            <a:extLst>
+              <a:ext uri="{FF2B5EF4-FFF2-40B4-BE49-F238E27FC236}">
+                <a16:creationId xmlns:a16="http://schemas.microsoft.com/office/drawing/2014/main" id="{37DCEF71-CC16-459D-B198-96FABAF96AF2}"/>
+              </a:ext>
+            </a:extLst>
+          </p:cNvPr>
+          <p:cNvPicPr>
+            <a:picLocks noChangeAspect="1"/>
+          </p:cNvPicPr>
+          <p:nvPr/>
+        </p:nvPicPr>
+        <p:blipFill>
+          <a:blip r:embed="rId3">
+            <a:extLst>
+              <a:ext uri="{28A0092B-C50C-407E-A947-70E740481C1C}">
+                <a14:useLocalDpi xmlns:a14="http://schemas.microsoft.com/office/drawing/2010/main" val="0"/>
+              </a:ext>
+            </a:extLst>
+          </a:blip>
+          <a:stretch>
+            <a:fillRect/>
+          </a:stretch>
+        </p:blipFill>
+        <p:spPr>
+          <a:xfrm>
+            <a:off x="7970514" y="1845942"/>
+            <a:ext cx="4221486" cy="3166115"/>
+          </a:xfrm>
+          <a:prstGeom prst="rect">
+            <a:avLst/>
+          </a:prstGeom>
+        </p:spPr>
+      </p:pic>
+      <p:pic>
+        <p:nvPicPr>
+          <p:cNvPr id="11" name="Picture 10">
+            <a:extLst>
+              <a:ext uri="{FF2B5EF4-FFF2-40B4-BE49-F238E27FC236}">
+                <a16:creationId xmlns:a16="http://schemas.microsoft.com/office/drawing/2014/main" id="{E27A49EA-88C3-4244-AA40-5DABE1F185B4}"/>
+              </a:ext>
+            </a:extLst>
+          </p:cNvPr>
+          <p:cNvPicPr>
+            <a:picLocks noChangeAspect="1"/>
+          </p:cNvPicPr>
+          <p:nvPr/>
+        </p:nvPicPr>
+        <p:blipFill>
+          <a:blip r:embed="rId4">
+            <a:extLst>
+              <a:ext uri="{28A0092B-C50C-407E-A947-70E740481C1C}">
+                <a14:useLocalDpi xmlns:a14="http://schemas.microsoft.com/office/drawing/2010/main" val="0"/>
+              </a:ext>
+            </a:extLst>
+          </a:blip>
+          <a:stretch>
+            <a:fillRect/>
+          </a:stretch>
+        </p:blipFill>
+        <p:spPr>
+          <a:xfrm>
+            <a:off x="-24266" y="1845942"/>
+            <a:ext cx="4221486" cy="3166115"/>
+          </a:xfrm>
+          <a:prstGeom prst="rect">
+            <a:avLst/>
+          </a:prstGeom>
+        </p:spPr>
+      </p:pic>
     </p:spTree>
     <p:extLst>
       <p:ext uri="{BB962C8B-B14F-4D97-AF65-F5344CB8AC3E}">
@@ -5081,6 +5468,155 @@
           </a:p>
         </p:txBody>
       </p:sp>
+      <p:sp>
+        <p:nvSpPr>
+          <p:cNvPr id="6" name="TextBox 5">
+            <a:extLst>
+              <a:ext uri="{FF2B5EF4-FFF2-40B4-BE49-F238E27FC236}">
+                <a16:creationId xmlns:a16="http://schemas.microsoft.com/office/drawing/2014/main" id="{05CE4EDF-517F-4876-89AC-12D389DB5841}"/>
+              </a:ext>
+            </a:extLst>
+          </p:cNvPr>
+          <p:cNvSpPr txBox="1"/>
+          <p:nvPr/>
+        </p:nvSpPr>
+        <p:spPr>
+          <a:xfrm>
+            <a:off x="382554" y="470582"/>
+            <a:ext cx="4609323" cy="1015663"/>
+          </a:xfrm>
+          <a:prstGeom prst="rect">
+            <a:avLst/>
+          </a:prstGeom>
+          <a:noFill/>
+        </p:spPr>
+        <p:txBody>
+          <a:bodyPr wrap="square" rtlCol="0">
+            <a:spAutoFit/>
+          </a:bodyPr>
+          <a:lstStyle/>
+          <a:p>
+            <a:r>
+              <a:rPr lang="en-US" sz="3200" dirty="0"/>
+              <a:t>RESULTS:</a:t>
+            </a:r>
+          </a:p>
+          <a:p>
+            <a:r>
+              <a:rPr lang="en-US" sz="2800" dirty="0"/>
+              <a:t>Time</a:t>
+            </a:r>
+          </a:p>
+        </p:txBody>
+      </p:sp>
+      <p:pic>
+        <p:nvPicPr>
+          <p:cNvPr id="3" name="Picture 2">
+            <a:extLst>
+              <a:ext uri="{FF2B5EF4-FFF2-40B4-BE49-F238E27FC236}">
+                <a16:creationId xmlns:a16="http://schemas.microsoft.com/office/drawing/2014/main" id="{D4897561-3785-41BA-A52C-86ACBB81B636}"/>
+              </a:ext>
+            </a:extLst>
+          </p:cNvPr>
+          <p:cNvPicPr>
+            <a:picLocks noChangeAspect="1"/>
+          </p:cNvPicPr>
+          <p:nvPr/>
+        </p:nvPicPr>
+        <p:blipFill>
+          <a:blip r:embed="rId2">
+            <a:extLst>
+              <a:ext uri="{28A0092B-C50C-407E-A947-70E740481C1C}">
+                <a14:useLocalDpi xmlns:a14="http://schemas.microsoft.com/office/drawing/2010/main" val="0"/>
+              </a:ext>
+            </a:extLst>
+          </a:blip>
+          <a:stretch>
+            <a:fillRect/>
+          </a:stretch>
+        </p:blipFill>
+        <p:spPr>
+          <a:xfrm>
+            <a:off x="4133846" y="1959984"/>
+            <a:ext cx="3924307" cy="2943231"/>
+          </a:xfrm>
+          <a:prstGeom prst="rect">
+            <a:avLst/>
+          </a:prstGeom>
+        </p:spPr>
+      </p:pic>
+      <p:pic>
+        <p:nvPicPr>
+          <p:cNvPr id="9" name="Picture 8">
+            <a:extLst>
+              <a:ext uri="{FF2B5EF4-FFF2-40B4-BE49-F238E27FC236}">
+                <a16:creationId xmlns:a16="http://schemas.microsoft.com/office/drawing/2014/main" id="{659A6FDB-2932-4DFE-B599-5BB36A903D30}"/>
+              </a:ext>
+            </a:extLst>
+          </p:cNvPr>
+          <p:cNvPicPr>
+            <a:picLocks noChangeAspect="1"/>
+          </p:cNvPicPr>
+          <p:nvPr/>
+        </p:nvPicPr>
+        <p:blipFill>
+          <a:blip r:embed="rId3">
+            <a:extLst>
+              <a:ext uri="{28A0092B-C50C-407E-A947-70E740481C1C}">
+                <a14:useLocalDpi xmlns:a14="http://schemas.microsoft.com/office/drawing/2010/main" val="0"/>
+              </a:ext>
+            </a:extLst>
+          </a:blip>
+          <a:stretch>
+            <a:fillRect/>
+          </a:stretch>
+        </p:blipFill>
+        <p:spPr>
+          <a:xfrm>
+            <a:off x="8067940" y="1959984"/>
+            <a:ext cx="3924307" cy="2943231"/>
+          </a:xfrm>
+          <a:prstGeom prst="rect">
+            <a:avLst/>
+          </a:prstGeom>
+        </p:spPr>
+      </p:pic>
+      <p:pic>
+        <p:nvPicPr>
+          <p:cNvPr id="11" name="Picture 10">
+            <a:extLst>
+              <a:ext uri="{FF2B5EF4-FFF2-40B4-BE49-F238E27FC236}">
+                <a16:creationId xmlns:a16="http://schemas.microsoft.com/office/drawing/2014/main" id="{A01F359A-E1DA-46F2-B7C9-20DC5116FC7E}"/>
+              </a:ext>
+            </a:extLst>
+          </p:cNvPr>
+          <p:cNvPicPr>
+            <a:picLocks noChangeAspect="1"/>
+          </p:cNvPicPr>
+          <p:nvPr/>
+        </p:nvPicPr>
+        <p:blipFill>
+          <a:blip r:embed="rId4">
+            <a:extLst>
+              <a:ext uri="{28A0092B-C50C-407E-A947-70E740481C1C}">
+                <a14:useLocalDpi xmlns:a14="http://schemas.microsoft.com/office/drawing/2010/main" val="0"/>
+              </a:ext>
+            </a:extLst>
+          </a:blip>
+          <a:stretch>
+            <a:fillRect/>
+          </a:stretch>
+        </p:blipFill>
+        <p:spPr>
+          <a:xfrm>
+            <a:off x="237146" y="1959984"/>
+            <a:ext cx="3924307" cy="2943231"/>
+          </a:xfrm>
+          <a:prstGeom prst="rect">
+            <a:avLst/>
+          </a:prstGeom>
+        </p:spPr>
+      </p:pic>
     </p:spTree>
     <p:extLst>
       <p:ext uri="{BB962C8B-B14F-4D97-AF65-F5344CB8AC3E}">
@@ -5339,6 +5875,270 @@
           </a:p>
         </p:txBody>
       </p:sp>
+      <p:sp>
+        <p:nvSpPr>
+          <p:cNvPr id="6" name="TextBox 5">
+            <a:extLst>
+              <a:ext uri="{FF2B5EF4-FFF2-40B4-BE49-F238E27FC236}">
+                <a16:creationId xmlns:a16="http://schemas.microsoft.com/office/drawing/2014/main" id="{C3201C67-7F78-4C74-9620-0A847B454296}"/>
+              </a:ext>
+            </a:extLst>
+          </p:cNvPr>
+          <p:cNvSpPr txBox="1"/>
+          <p:nvPr/>
+        </p:nvSpPr>
+        <p:spPr>
+          <a:xfrm>
+            <a:off x="2869163" y="373381"/>
+            <a:ext cx="6453674" cy="707886"/>
+          </a:xfrm>
+          <a:prstGeom prst="rect">
+            <a:avLst/>
+          </a:prstGeom>
+          <a:noFill/>
+        </p:spPr>
+        <p:txBody>
+          <a:bodyPr wrap="square" rtlCol="0">
+            <a:spAutoFit/>
+          </a:bodyPr>
+          <a:lstStyle/>
+          <a:p>
+            <a:pPr algn="ctr"/>
+            <a:r>
+              <a:rPr lang="en-US" sz="4000" dirty="0"/>
+              <a:t>RMS vs SGD</a:t>
+            </a:r>
+          </a:p>
+        </p:txBody>
+      </p:sp>
+      <p:pic>
+        <p:nvPicPr>
+          <p:cNvPr id="3" name="Picture 2">
+            <a:extLst>
+              <a:ext uri="{FF2B5EF4-FFF2-40B4-BE49-F238E27FC236}">
+                <a16:creationId xmlns:a16="http://schemas.microsoft.com/office/drawing/2014/main" id="{0FC78B41-5EBB-48BD-BD26-00910BFBDD53}"/>
+              </a:ext>
+            </a:extLst>
+          </p:cNvPr>
+          <p:cNvPicPr>
+            <a:picLocks noChangeAspect="1"/>
+          </p:cNvPicPr>
+          <p:nvPr/>
+        </p:nvPicPr>
+        <p:blipFill>
+          <a:blip r:embed="rId2">
+            <a:extLst>
+              <a:ext uri="{28A0092B-C50C-407E-A947-70E740481C1C}">
+                <a14:useLocalDpi xmlns:a14="http://schemas.microsoft.com/office/drawing/2010/main" val="0"/>
+              </a:ext>
+            </a:extLst>
+          </a:blip>
+          <a:stretch>
+            <a:fillRect/>
+          </a:stretch>
+        </p:blipFill>
+        <p:spPr>
+          <a:xfrm>
+            <a:off x="304800" y="1676400"/>
+            <a:ext cx="5939035" cy="4454276"/>
+          </a:xfrm>
+          <a:prstGeom prst="rect">
+            <a:avLst/>
+          </a:prstGeom>
+        </p:spPr>
+      </p:pic>
+      <p:sp>
+        <p:nvSpPr>
+          <p:cNvPr id="8" name="TextBox 7">
+            <a:extLst>
+              <a:ext uri="{FF2B5EF4-FFF2-40B4-BE49-F238E27FC236}">
+                <a16:creationId xmlns:a16="http://schemas.microsoft.com/office/drawing/2014/main" id="{0F6ECD96-0390-43F4-8166-A606F06DD126}"/>
+              </a:ext>
+            </a:extLst>
+          </p:cNvPr>
+          <p:cNvSpPr txBox="1"/>
+          <p:nvPr/>
+        </p:nvSpPr>
+        <p:spPr>
+          <a:xfrm>
+            <a:off x="7652657" y="1153180"/>
+            <a:ext cx="3340360" cy="584775"/>
+          </a:xfrm>
+          <a:prstGeom prst="rect">
+            <a:avLst/>
+          </a:prstGeom>
+          <a:noFill/>
+        </p:spPr>
+        <p:txBody>
+          <a:bodyPr wrap="square" rtlCol="0">
+            <a:spAutoFit/>
+          </a:bodyPr>
+          <a:lstStyle/>
+          <a:p>
+            <a:pPr algn="ctr"/>
+            <a:r>
+              <a:rPr lang="en-US" sz="3200" dirty="0"/>
+              <a:t>Time for 30 epochs</a:t>
+            </a:r>
+          </a:p>
+        </p:txBody>
+      </p:sp>
+      <p:sp>
+        <p:nvSpPr>
+          <p:cNvPr id="9" name="TextBox 8">
+            <a:extLst>
+              <a:ext uri="{FF2B5EF4-FFF2-40B4-BE49-F238E27FC236}">
+                <a16:creationId xmlns:a16="http://schemas.microsoft.com/office/drawing/2014/main" id="{B158AB87-CA33-44F7-8F41-0F71385BF418}"/>
+              </a:ext>
+            </a:extLst>
+          </p:cNvPr>
+          <p:cNvSpPr txBox="1"/>
+          <p:nvPr/>
+        </p:nvSpPr>
+        <p:spPr>
+          <a:xfrm>
+            <a:off x="1044714" y="1153179"/>
+            <a:ext cx="4459206" cy="584775"/>
+          </a:xfrm>
+          <a:prstGeom prst="rect">
+            <a:avLst/>
+          </a:prstGeom>
+          <a:noFill/>
+        </p:spPr>
+        <p:txBody>
+          <a:bodyPr wrap="square" rtlCol="0">
+            <a:spAutoFit/>
+          </a:bodyPr>
+          <a:lstStyle/>
+          <a:p>
+            <a:pPr algn="ctr"/>
+            <a:r>
+              <a:rPr lang="en-US" sz="3200" dirty="0"/>
+              <a:t>Accuracy over 30 epochs</a:t>
+            </a:r>
+          </a:p>
+        </p:txBody>
+      </p:sp>
+      <p:graphicFrame>
+        <p:nvGraphicFramePr>
+          <p:cNvPr id="11" name="Table 10">
+            <a:extLst>
+              <a:ext uri="{FF2B5EF4-FFF2-40B4-BE49-F238E27FC236}">
+                <a16:creationId xmlns:a16="http://schemas.microsoft.com/office/drawing/2014/main" id="{3607FBE1-7544-43D7-B822-3719AA055F2B}"/>
+              </a:ext>
+            </a:extLst>
+          </p:cNvPr>
+          <p:cNvGraphicFramePr>
+            <a:graphicFrameLocks noGrp="1"/>
+          </p:cNvGraphicFramePr>
+          <p:nvPr>
+            <p:extLst>
+              <p:ext uri="{D42A27DB-BD31-4B8C-83A1-F6EECF244321}">
+                <p14:modId xmlns:p14="http://schemas.microsoft.com/office/powerpoint/2010/main" val="1873236224"/>
+              </p:ext>
+            </p:extLst>
+          </p:nvPr>
+        </p:nvGraphicFramePr>
+        <p:xfrm>
+          <a:off x="6243835" y="2133600"/>
+          <a:ext cx="5740172" cy="2110740"/>
+        </p:xfrm>
+        <a:graphic>
+          <a:graphicData uri="http://schemas.openxmlformats.org/drawingml/2006/table">
+            <a:tbl>
+              <a:tblPr firstRow="1" bandRow="1">
+                <a:tableStyleId>{2D5ABB26-0587-4C30-8999-92F81FD0307C}</a:tableStyleId>
+              </a:tblPr>
+              <a:tblGrid>
+                <a:gridCol w="2900165">
+                  <a:extLst>
+                    <a:ext uri="{9D8B030D-6E8A-4147-A177-3AD203B41FA5}">
+                      <a16:colId xmlns:a16="http://schemas.microsoft.com/office/drawing/2014/main" val="2416695786"/>
+                    </a:ext>
+                  </a:extLst>
+                </a:gridCol>
+                <a:gridCol w="2840007">
+                  <a:extLst>
+                    <a:ext uri="{9D8B030D-6E8A-4147-A177-3AD203B41FA5}">
+                      <a16:colId xmlns:a16="http://schemas.microsoft.com/office/drawing/2014/main" val="2933510270"/>
+                    </a:ext>
+                  </a:extLst>
+                </a:gridCol>
+              </a:tblGrid>
+              <a:tr h="609600">
+                <a:tc>
+                  <a:txBody>
+                    <a:bodyPr/>
+                    <a:lstStyle/>
+                    <a:p>
+                      <a:pPr algn="ctr"/>
+                      <a:r>
+                        <a:rPr lang="en-US" sz="4000" dirty="0"/>
+                        <a:t>SGD</a:t>
+                      </a:r>
+                    </a:p>
+                  </a:txBody>
+                  <a:tcPr/>
+                </a:tc>
+                <a:tc>
+                  <a:txBody>
+                    <a:bodyPr/>
+                    <a:lstStyle/>
+                    <a:p>
+                      <a:pPr algn="ctr"/>
+                      <a:r>
+                        <a:rPr lang="en-US" sz="4000" dirty="0"/>
+                        <a:t>RMS</a:t>
+                      </a:r>
+                    </a:p>
+                  </a:txBody>
+                  <a:tcPr/>
+                </a:tc>
+                <a:extLst>
+                  <a:ext uri="{0D108BD9-81ED-4DB2-BD59-A6C34878D82A}">
+                    <a16:rowId xmlns:a16="http://schemas.microsoft.com/office/drawing/2014/main" val="4080538099"/>
+                  </a:ext>
+                </a:extLst>
+              </a:tr>
+              <a:tr h="1409700">
+                <a:tc>
+                  <a:txBody>
+                    <a:bodyPr/>
+                    <a:lstStyle/>
+                    <a:p>
+                      <a:pPr algn="ctr"/>
+                      <a:r>
+                        <a:rPr lang="en-US" sz="2800" dirty="0"/>
+                        <a:t>141.2 Seconds</a:t>
+                      </a:r>
+                    </a:p>
+                  </a:txBody>
+                  <a:tcPr/>
+                </a:tc>
+                <a:tc>
+                  <a:txBody>
+                    <a:bodyPr/>
+                    <a:lstStyle/>
+                    <a:p>
+                      <a:pPr algn="ctr"/>
+                      <a:r>
+                        <a:rPr lang="en-US" sz="2800" dirty="0"/>
+                        <a:t>288.9 Seconds</a:t>
+                      </a:r>
+                    </a:p>
+                  </a:txBody>
+                  <a:tcPr/>
+                </a:tc>
+                <a:extLst>
+                  <a:ext uri="{0D108BD9-81ED-4DB2-BD59-A6C34878D82A}">
+                    <a16:rowId xmlns:a16="http://schemas.microsoft.com/office/drawing/2014/main" val="3573558846"/>
+                  </a:ext>
+                </a:extLst>
+              </a:tr>
+            </a:tbl>
+          </a:graphicData>
+        </a:graphic>
+      </p:graphicFrame>
     </p:spTree>
     <p:extLst>
       <p:ext uri="{BB962C8B-B14F-4D97-AF65-F5344CB8AC3E}">
@@ -5597,522 +6397,6 @@
           </a:p>
         </p:txBody>
       </p:sp>
-    </p:spTree>
-    <p:extLst>
-      <p:ext uri="{BB962C8B-B14F-4D97-AF65-F5344CB8AC3E}">
-        <p14:creationId xmlns:p14="http://schemas.microsoft.com/office/powerpoint/2010/main" val="1553197446"/>
-      </p:ext>
-    </p:extLst>
-  </p:cSld>
-  <p:clrMapOvr>
-    <a:masterClrMapping/>
-  </p:clrMapOvr>
-</p:sld>
-</file>
-
-<file path=ppt/slides/slide16.xml><?xml version="1.0" encoding="utf-8"?>
-<p:sld xmlns:a="http://schemas.openxmlformats.org/drawingml/2006/main" xmlns:r="http://schemas.openxmlformats.org/officeDocument/2006/relationships" xmlns:p="http://schemas.openxmlformats.org/presentationml/2006/main">
-  <p:cSld>
-    <p:spTree>
-      <p:nvGrpSpPr>
-        <p:cNvPr id="1" name=""/>
-        <p:cNvGrpSpPr/>
-        <p:nvPr/>
-      </p:nvGrpSpPr>
-      <p:grpSpPr>
-        <a:xfrm>
-          <a:off x="0" y="0"/>
-          <a:ext cx="0" cy="0"/>
-          <a:chOff x="0" y="0"/>
-          <a:chExt cx="0" cy="0"/>
-        </a:xfrm>
-      </p:grpSpPr>
-      <p:sp>
-        <p:nvSpPr>
-          <p:cNvPr id="7" name="Rectangle 6">
-            <a:extLst>
-              <a:ext uri="{FF2B5EF4-FFF2-40B4-BE49-F238E27FC236}">
-                <a16:creationId xmlns:a16="http://schemas.microsoft.com/office/drawing/2014/main" id="{F0ADDA2B-3A53-4C82-9FF7-C53D07090E0E}"/>
-              </a:ext>
-            </a:extLst>
-          </p:cNvPr>
-          <p:cNvSpPr/>
-          <p:nvPr/>
-        </p:nvSpPr>
-        <p:spPr>
-          <a:xfrm>
-            <a:off x="0" y="6335484"/>
-            <a:ext cx="12192000" cy="522516"/>
-          </a:xfrm>
-          <a:prstGeom prst="rect">
-            <a:avLst/>
-          </a:prstGeom>
-          <a:solidFill>
-            <a:srgbClr val="08CE83"/>
-          </a:solidFill>
-          <a:ln>
-            <a:noFill/>
-          </a:ln>
-        </p:spPr>
-        <p:style>
-          <a:lnRef idx="2">
-            <a:schemeClr val="accent1">
-              <a:shade val="50000"/>
-            </a:schemeClr>
-          </a:lnRef>
-          <a:fillRef idx="1">
-            <a:schemeClr val="accent1"/>
-          </a:fillRef>
-          <a:effectRef idx="0">
-            <a:schemeClr val="accent1"/>
-          </a:effectRef>
-          <a:fontRef idx="minor">
-            <a:schemeClr val="lt1"/>
-          </a:fontRef>
-        </p:style>
-        <p:txBody>
-          <a:bodyPr rtlCol="0" anchor="ctr"/>
-          <a:lstStyle/>
-          <a:p>
-            <a:pPr algn="ctr"/>
-            <a:endParaRPr lang="en-US"/>
-          </a:p>
-        </p:txBody>
-      </p:sp>
-      <p:sp>
-        <p:nvSpPr>
-          <p:cNvPr id="4" name="Footer Placeholder 3">
-            <a:extLst>
-              <a:ext uri="{FF2B5EF4-FFF2-40B4-BE49-F238E27FC236}">
-                <a16:creationId xmlns:a16="http://schemas.microsoft.com/office/drawing/2014/main" id="{313896CA-8C67-4DE5-9FEC-0057A44301F1}"/>
-              </a:ext>
-            </a:extLst>
-          </p:cNvPr>
-          <p:cNvSpPr>
-            <a:spLocks noGrp="1"/>
-          </p:cNvSpPr>
-          <p:nvPr>
-            <p:ph type="ftr" sz="quarter" idx="11"/>
-          </p:nvPr>
-        </p:nvSpPr>
-        <p:spPr>
-          <a:xfrm>
-            <a:off x="5597979" y="6414178"/>
-            <a:ext cx="996042" cy="365125"/>
-          </a:xfrm>
-        </p:spPr>
-        <p:txBody>
-          <a:bodyPr/>
-          <a:lstStyle/>
-          <a:p>
-            <a:fld id="{85222E6B-A692-4F22-B829-6CDE6DAA2FC5}" type="slidenum">
-              <a:rPr lang="en-US" sz="1400" b="1" smtClean="0">
-                <a:solidFill>
-                  <a:schemeClr val="bg1"/>
-                </a:solidFill>
-              </a:rPr>
-              <a:t>16</a:t>
-            </a:fld>
-            <a:endParaRPr lang="en-US" sz="1400" b="1" dirty="0">
-              <a:solidFill>
-                <a:schemeClr val="bg1"/>
-              </a:solidFill>
-            </a:endParaRPr>
-          </a:p>
-        </p:txBody>
-      </p:sp>
-      <p:sp>
-        <p:nvSpPr>
-          <p:cNvPr id="5" name="Footer Placeholder 3">
-            <a:extLst>
-              <a:ext uri="{FF2B5EF4-FFF2-40B4-BE49-F238E27FC236}">
-                <a16:creationId xmlns:a16="http://schemas.microsoft.com/office/drawing/2014/main" id="{E5A65338-FFC5-4A25-B760-AEA785441EAC}"/>
-              </a:ext>
-            </a:extLst>
-          </p:cNvPr>
-          <p:cNvSpPr txBox="1">
-            <a:spLocks/>
-          </p:cNvSpPr>
-          <p:nvPr/>
-        </p:nvSpPr>
-        <p:spPr>
-          <a:xfrm>
-            <a:off x="-13218" y="6414179"/>
-            <a:ext cx="4174671" cy="365125"/>
-          </a:xfrm>
-          <a:prstGeom prst="rect">
-            <a:avLst/>
-          </a:prstGeom>
-        </p:spPr>
-        <p:txBody>
-          <a:bodyPr vert="horz" lIns="91440" tIns="45720" rIns="91440" bIns="45720" rtlCol="0" anchor="ctr"/>
-          <a:lstStyle>
-            <a:defPPr>
-              <a:defRPr lang="en-US"/>
-            </a:defPPr>
-            <a:lvl1pPr marL="0" algn="ctr" defTabSz="914400" rtl="0" eaLnBrk="1" latinLnBrk="0" hangingPunct="1">
-              <a:defRPr sz="1200" kern="1200">
-                <a:solidFill>
-                  <a:schemeClr val="tx1">
-                    <a:tint val="75000"/>
-                  </a:schemeClr>
-                </a:solidFill>
-                <a:latin typeface="+mn-lt"/>
-                <a:ea typeface="+mn-ea"/>
-                <a:cs typeface="+mn-cs"/>
-              </a:defRPr>
-            </a:lvl1pPr>
-            <a:lvl2pPr marL="457200" algn="l" defTabSz="914400" rtl="0" eaLnBrk="1" latinLnBrk="0" hangingPunct="1">
-              <a:defRPr sz="1800" kern="1200">
-                <a:solidFill>
-                  <a:schemeClr val="tx1"/>
-                </a:solidFill>
-                <a:latin typeface="+mn-lt"/>
-                <a:ea typeface="+mn-ea"/>
-                <a:cs typeface="+mn-cs"/>
-              </a:defRPr>
-            </a:lvl2pPr>
-            <a:lvl3pPr marL="914400" algn="l" defTabSz="914400" rtl="0" eaLnBrk="1" latinLnBrk="0" hangingPunct="1">
-              <a:defRPr sz="1800" kern="1200">
-                <a:solidFill>
-                  <a:schemeClr val="tx1"/>
-                </a:solidFill>
-                <a:latin typeface="+mn-lt"/>
-                <a:ea typeface="+mn-ea"/>
-                <a:cs typeface="+mn-cs"/>
-              </a:defRPr>
-            </a:lvl3pPr>
-            <a:lvl4pPr marL="1371600" algn="l" defTabSz="914400" rtl="0" eaLnBrk="1" latinLnBrk="0" hangingPunct="1">
-              <a:defRPr sz="1800" kern="1200">
-                <a:solidFill>
-                  <a:schemeClr val="tx1"/>
-                </a:solidFill>
-                <a:latin typeface="+mn-lt"/>
-                <a:ea typeface="+mn-ea"/>
-                <a:cs typeface="+mn-cs"/>
-              </a:defRPr>
-            </a:lvl4pPr>
-            <a:lvl5pPr marL="1828800" algn="l" defTabSz="914400" rtl="0" eaLnBrk="1" latinLnBrk="0" hangingPunct="1">
-              <a:defRPr sz="1800" kern="1200">
-                <a:solidFill>
-                  <a:schemeClr val="tx1"/>
-                </a:solidFill>
-                <a:latin typeface="+mn-lt"/>
-                <a:ea typeface="+mn-ea"/>
-                <a:cs typeface="+mn-cs"/>
-              </a:defRPr>
-            </a:lvl5pPr>
-            <a:lvl6pPr marL="2286000" algn="l" defTabSz="914400" rtl="0" eaLnBrk="1" latinLnBrk="0" hangingPunct="1">
-              <a:defRPr sz="1800" kern="1200">
-                <a:solidFill>
-                  <a:schemeClr val="tx1"/>
-                </a:solidFill>
-                <a:latin typeface="+mn-lt"/>
-                <a:ea typeface="+mn-ea"/>
-                <a:cs typeface="+mn-cs"/>
-              </a:defRPr>
-            </a:lvl6pPr>
-            <a:lvl7pPr marL="2743200" algn="l" defTabSz="914400" rtl="0" eaLnBrk="1" latinLnBrk="0" hangingPunct="1">
-              <a:defRPr sz="1800" kern="1200">
-                <a:solidFill>
-                  <a:schemeClr val="tx1"/>
-                </a:solidFill>
-                <a:latin typeface="+mn-lt"/>
-                <a:ea typeface="+mn-ea"/>
-                <a:cs typeface="+mn-cs"/>
-              </a:defRPr>
-            </a:lvl7pPr>
-            <a:lvl8pPr marL="3200400" algn="l" defTabSz="914400" rtl="0" eaLnBrk="1" latinLnBrk="0" hangingPunct="1">
-              <a:defRPr sz="1800" kern="1200">
-                <a:solidFill>
-                  <a:schemeClr val="tx1"/>
-                </a:solidFill>
-                <a:latin typeface="+mn-lt"/>
-                <a:ea typeface="+mn-ea"/>
-                <a:cs typeface="+mn-cs"/>
-              </a:defRPr>
-            </a:lvl8pPr>
-            <a:lvl9pPr marL="3657600" algn="l" defTabSz="914400" rtl="0" eaLnBrk="1" latinLnBrk="0" hangingPunct="1">
-              <a:defRPr sz="1800" kern="1200">
-                <a:solidFill>
-                  <a:schemeClr val="tx1"/>
-                </a:solidFill>
-                <a:latin typeface="+mn-lt"/>
-                <a:ea typeface="+mn-ea"/>
-                <a:cs typeface="+mn-cs"/>
-              </a:defRPr>
-            </a:lvl9pPr>
-          </a:lstStyle>
-          <a:p>
-            <a:r>
-              <a:rPr lang="en-US" sz="1600" dirty="0">
-                <a:solidFill>
-                  <a:schemeClr val="bg1"/>
-                </a:solidFill>
-              </a:rPr>
-              <a:t>Design &amp; Analysis of Algorithms Spring 2018</a:t>
-            </a:r>
-          </a:p>
-        </p:txBody>
-      </p:sp>
-    </p:spTree>
-    <p:extLst>
-      <p:ext uri="{BB962C8B-B14F-4D97-AF65-F5344CB8AC3E}">
-        <p14:creationId xmlns:p14="http://schemas.microsoft.com/office/powerpoint/2010/main" val="907801637"/>
-      </p:ext>
-    </p:extLst>
-  </p:cSld>
-  <p:clrMapOvr>
-    <a:masterClrMapping/>
-  </p:clrMapOvr>
-</p:sld>
-</file>
-
-<file path=ppt/slides/slide17.xml><?xml version="1.0" encoding="utf-8"?>
-<p:sld xmlns:a="http://schemas.openxmlformats.org/drawingml/2006/main" xmlns:r="http://schemas.openxmlformats.org/officeDocument/2006/relationships" xmlns:p="http://schemas.openxmlformats.org/presentationml/2006/main">
-  <p:cSld>
-    <p:spTree>
-      <p:nvGrpSpPr>
-        <p:cNvPr id="1" name=""/>
-        <p:cNvGrpSpPr/>
-        <p:nvPr/>
-      </p:nvGrpSpPr>
-      <p:grpSpPr>
-        <a:xfrm>
-          <a:off x="0" y="0"/>
-          <a:ext cx="0" cy="0"/>
-          <a:chOff x="0" y="0"/>
-          <a:chExt cx="0" cy="0"/>
-        </a:xfrm>
-      </p:grpSpPr>
-      <p:sp>
-        <p:nvSpPr>
-          <p:cNvPr id="7" name="Rectangle 6">
-            <a:extLst>
-              <a:ext uri="{FF2B5EF4-FFF2-40B4-BE49-F238E27FC236}">
-                <a16:creationId xmlns:a16="http://schemas.microsoft.com/office/drawing/2014/main" id="{F0ADDA2B-3A53-4C82-9FF7-C53D07090E0E}"/>
-              </a:ext>
-            </a:extLst>
-          </p:cNvPr>
-          <p:cNvSpPr/>
-          <p:nvPr/>
-        </p:nvSpPr>
-        <p:spPr>
-          <a:xfrm>
-            <a:off x="0" y="6335484"/>
-            <a:ext cx="12192000" cy="522516"/>
-          </a:xfrm>
-          <a:prstGeom prst="rect">
-            <a:avLst/>
-          </a:prstGeom>
-          <a:solidFill>
-            <a:srgbClr val="08CE83"/>
-          </a:solidFill>
-          <a:ln>
-            <a:noFill/>
-          </a:ln>
-        </p:spPr>
-        <p:style>
-          <a:lnRef idx="2">
-            <a:schemeClr val="accent1">
-              <a:shade val="50000"/>
-            </a:schemeClr>
-          </a:lnRef>
-          <a:fillRef idx="1">
-            <a:schemeClr val="accent1"/>
-          </a:fillRef>
-          <a:effectRef idx="0">
-            <a:schemeClr val="accent1"/>
-          </a:effectRef>
-          <a:fontRef idx="minor">
-            <a:schemeClr val="lt1"/>
-          </a:fontRef>
-        </p:style>
-        <p:txBody>
-          <a:bodyPr rtlCol="0" anchor="ctr"/>
-          <a:lstStyle/>
-          <a:p>
-            <a:pPr algn="ctr"/>
-            <a:endParaRPr lang="en-US"/>
-          </a:p>
-        </p:txBody>
-      </p:sp>
-      <p:sp>
-        <p:nvSpPr>
-          <p:cNvPr id="4" name="Footer Placeholder 3">
-            <a:extLst>
-              <a:ext uri="{FF2B5EF4-FFF2-40B4-BE49-F238E27FC236}">
-                <a16:creationId xmlns:a16="http://schemas.microsoft.com/office/drawing/2014/main" id="{313896CA-8C67-4DE5-9FEC-0057A44301F1}"/>
-              </a:ext>
-            </a:extLst>
-          </p:cNvPr>
-          <p:cNvSpPr>
-            <a:spLocks noGrp="1"/>
-          </p:cNvSpPr>
-          <p:nvPr>
-            <p:ph type="ftr" sz="quarter" idx="11"/>
-          </p:nvPr>
-        </p:nvSpPr>
-        <p:spPr>
-          <a:xfrm>
-            <a:off x="5597979" y="6414178"/>
-            <a:ext cx="996042" cy="365125"/>
-          </a:xfrm>
-        </p:spPr>
-        <p:txBody>
-          <a:bodyPr/>
-          <a:lstStyle/>
-          <a:p>
-            <a:fld id="{85222E6B-A692-4F22-B829-6CDE6DAA2FC5}" type="slidenum">
-              <a:rPr lang="en-US" sz="1400" b="1" smtClean="0">
-                <a:solidFill>
-                  <a:schemeClr val="bg1"/>
-                </a:solidFill>
-              </a:rPr>
-              <a:t>17</a:t>
-            </a:fld>
-            <a:endParaRPr lang="en-US" sz="1400" b="1" dirty="0">
-              <a:solidFill>
-                <a:schemeClr val="bg1"/>
-              </a:solidFill>
-            </a:endParaRPr>
-          </a:p>
-        </p:txBody>
-      </p:sp>
-      <p:sp>
-        <p:nvSpPr>
-          <p:cNvPr id="5" name="Footer Placeholder 3">
-            <a:extLst>
-              <a:ext uri="{FF2B5EF4-FFF2-40B4-BE49-F238E27FC236}">
-                <a16:creationId xmlns:a16="http://schemas.microsoft.com/office/drawing/2014/main" id="{E5A65338-FFC5-4A25-B760-AEA785441EAC}"/>
-              </a:ext>
-            </a:extLst>
-          </p:cNvPr>
-          <p:cNvSpPr txBox="1">
-            <a:spLocks/>
-          </p:cNvSpPr>
-          <p:nvPr/>
-        </p:nvSpPr>
-        <p:spPr>
-          <a:xfrm>
-            <a:off x="-13218" y="6414179"/>
-            <a:ext cx="4174671" cy="365125"/>
-          </a:xfrm>
-          <a:prstGeom prst="rect">
-            <a:avLst/>
-          </a:prstGeom>
-        </p:spPr>
-        <p:txBody>
-          <a:bodyPr vert="horz" lIns="91440" tIns="45720" rIns="91440" bIns="45720" rtlCol="0" anchor="ctr"/>
-          <a:lstStyle>
-            <a:defPPr>
-              <a:defRPr lang="en-US"/>
-            </a:defPPr>
-            <a:lvl1pPr marL="0" algn="ctr" defTabSz="914400" rtl="0" eaLnBrk="1" latinLnBrk="0" hangingPunct="1">
-              <a:defRPr sz="1200" kern="1200">
-                <a:solidFill>
-                  <a:schemeClr val="tx1">
-                    <a:tint val="75000"/>
-                  </a:schemeClr>
-                </a:solidFill>
-                <a:latin typeface="+mn-lt"/>
-                <a:ea typeface="+mn-ea"/>
-                <a:cs typeface="+mn-cs"/>
-              </a:defRPr>
-            </a:lvl1pPr>
-            <a:lvl2pPr marL="457200" algn="l" defTabSz="914400" rtl="0" eaLnBrk="1" latinLnBrk="0" hangingPunct="1">
-              <a:defRPr sz="1800" kern="1200">
-                <a:solidFill>
-                  <a:schemeClr val="tx1"/>
-                </a:solidFill>
-                <a:latin typeface="+mn-lt"/>
-                <a:ea typeface="+mn-ea"/>
-                <a:cs typeface="+mn-cs"/>
-              </a:defRPr>
-            </a:lvl2pPr>
-            <a:lvl3pPr marL="914400" algn="l" defTabSz="914400" rtl="0" eaLnBrk="1" latinLnBrk="0" hangingPunct="1">
-              <a:defRPr sz="1800" kern="1200">
-                <a:solidFill>
-                  <a:schemeClr val="tx1"/>
-                </a:solidFill>
-                <a:latin typeface="+mn-lt"/>
-                <a:ea typeface="+mn-ea"/>
-                <a:cs typeface="+mn-cs"/>
-              </a:defRPr>
-            </a:lvl3pPr>
-            <a:lvl4pPr marL="1371600" algn="l" defTabSz="914400" rtl="0" eaLnBrk="1" latinLnBrk="0" hangingPunct="1">
-              <a:defRPr sz="1800" kern="1200">
-                <a:solidFill>
-                  <a:schemeClr val="tx1"/>
-                </a:solidFill>
-                <a:latin typeface="+mn-lt"/>
-                <a:ea typeface="+mn-ea"/>
-                <a:cs typeface="+mn-cs"/>
-              </a:defRPr>
-            </a:lvl4pPr>
-            <a:lvl5pPr marL="1828800" algn="l" defTabSz="914400" rtl="0" eaLnBrk="1" latinLnBrk="0" hangingPunct="1">
-              <a:defRPr sz="1800" kern="1200">
-                <a:solidFill>
-                  <a:schemeClr val="tx1"/>
-                </a:solidFill>
-                <a:latin typeface="+mn-lt"/>
-                <a:ea typeface="+mn-ea"/>
-                <a:cs typeface="+mn-cs"/>
-              </a:defRPr>
-            </a:lvl5pPr>
-            <a:lvl6pPr marL="2286000" algn="l" defTabSz="914400" rtl="0" eaLnBrk="1" latinLnBrk="0" hangingPunct="1">
-              <a:defRPr sz="1800" kern="1200">
-                <a:solidFill>
-                  <a:schemeClr val="tx1"/>
-                </a:solidFill>
-                <a:latin typeface="+mn-lt"/>
-                <a:ea typeface="+mn-ea"/>
-                <a:cs typeface="+mn-cs"/>
-              </a:defRPr>
-            </a:lvl6pPr>
-            <a:lvl7pPr marL="2743200" algn="l" defTabSz="914400" rtl="0" eaLnBrk="1" latinLnBrk="0" hangingPunct="1">
-              <a:defRPr sz="1800" kern="1200">
-                <a:solidFill>
-                  <a:schemeClr val="tx1"/>
-                </a:solidFill>
-                <a:latin typeface="+mn-lt"/>
-                <a:ea typeface="+mn-ea"/>
-                <a:cs typeface="+mn-cs"/>
-              </a:defRPr>
-            </a:lvl7pPr>
-            <a:lvl8pPr marL="3200400" algn="l" defTabSz="914400" rtl="0" eaLnBrk="1" latinLnBrk="0" hangingPunct="1">
-              <a:defRPr sz="1800" kern="1200">
-                <a:solidFill>
-                  <a:schemeClr val="tx1"/>
-                </a:solidFill>
-                <a:latin typeface="+mn-lt"/>
-                <a:ea typeface="+mn-ea"/>
-                <a:cs typeface="+mn-cs"/>
-              </a:defRPr>
-            </a:lvl8pPr>
-            <a:lvl9pPr marL="3657600" algn="l" defTabSz="914400" rtl="0" eaLnBrk="1" latinLnBrk="0" hangingPunct="1">
-              <a:defRPr sz="1800" kern="1200">
-                <a:solidFill>
-                  <a:schemeClr val="tx1"/>
-                </a:solidFill>
-                <a:latin typeface="+mn-lt"/>
-                <a:ea typeface="+mn-ea"/>
-                <a:cs typeface="+mn-cs"/>
-              </a:defRPr>
-            </a:lvl9pPr>
-          </a:lstStyle>
-          <a:p>
-            <a:r>
-              <a:rPr lang="en-US" sz="1600" dirty="0">
-                <a:solidFill>
-                  <a:schemeClr val="bg1"/>
-                </a:solidFill>
-              </a:rPr>
-              <a:t>Design &amp; Analysis of Algorithms Spring 2018</a:t>
-            </a:r>
-          </a:p>
-        </p:txBody>
-      </p:sp>
       <p:sp>
         <p:nvSpPr>
           <p:cNvPr id="6" name="TextBox 5">
@@ -6216,16 +6500,12 @@
             </a:r>
           </a:p>
           <a:p>
-            <a:endParaRPr lang="en-US" sz="1200"/>
-          </a:p>
-          <a:p>
-            <a:r>
-              <a:rPr lang="en-US" sz="1200"/>
-              <a:t>Jahangir</a:t>
-            </a:r>
+            <a:endParaRPr lang="en-US" sz="1200" dirty="0"/>
+          </a:p>
+          <a:p>
             <a:r>
               <a:rPr lang="en-US" sz="1200" dirty="0"/>
-              <a:t>, Mostafa, et al. “Design of a Fast Convergent Backpropagation Algorithm Based on Optimal Control Theory.” </a:t>
+              <a:t>Jahangir, Mostafa, et al. “Design of a Fast Convergent Backpropagation Algorithm Based on Optimal Control Theory.” </a:t>
             </a:r>
             <a:r>
               <a:rPr lang="en-US" sz="1200" i="1" dirty="0"/>
@@ -6707,6 +6987,36 @@
           </a:p>
         </p:txBody>
       </p:sp>
+      <p:pic>
+        <p:nvPicPr>
+          <p:cNvPr id="6" name="Picture 5">
+            <a:extLst>
+              <a:ext uri="{FF2B5EF4-FFF2-40B4-BE49-F238E27FC236}">
+                <a16:creationId xmlns:a16="http://schemas.microsoft.com/office/drawing/2014/main" id="{327744FF-EA2A-474A-AA6F-C208452B2FBD}"/>
+              </a:ext>
+            </a:extLst>
+          </p:cNvPr>
+          <p:cNvPicPr>
+            <a:picLocks noChangeAspect="1"/>
+          </p:cNvPicPr>
+          <p:nvPr/>
+        </p:nvPicPr>
+        <p:blipFill>
+          <a:blip r:embed="rId2"/>
+          <a:stretch>
+            <a:fillRect/>
+          </a:stretch>
+        </p:blipFill>
+        <p:spPr>
+          <a:xfrm>
+            <a:off x="7467600" y="1443841"/>
+            <a:ext cx="3533775" cy="4181475"/>
+          </a:xfrm>
+          <a:prstGeom prst="rect">
+            <a:avLst/>
+          </a:prstGeom>
+        </p:spPr>
+      </p:pic>
     </p:spTree>
     <p:extLst>
       <p:ext uri="{BB962C8B-B14F-4D97-AF65-F5344CB8AC3E}">
@@ -7128,7 +7438,7 @@
           <a:p>
             <a:r>
               <a:rPr lang="en-US" sz="2800" dirty="0"/>
-              <a:t>Entertainment</a:t>
+              <a:t>Video Games</a:t>
             </a:r>
           </a:p>
           <a:p>
@@ -7525,7 +7835,7 @@
           <a:p>
             <a:r>
               <a:rPr lang="en-US" sz="2800" dirty="0"/>
-              <a:t>Lots of math:</a:t>
+              <a:t>Lots of linear algebra…</a:t>
             </a:r>
           </a:p>
         </p:txBody>
@@ -8348,10 +8658,10 @@
       </p:sp>
       <p:sp>
         <p:nvSpPr>
-          <p:cNvPr id="6" name="TextBox 5">
-            <a:extLst>
-              <a:ext uri="{FF2B5EF4-FFF2-40B4-BE49-F238E27FC236}">
-                <a16:creationId xmlns:a16="http://schemas.microsoft.com/office/drawing/2014/main" id="{251FAAA2-450A-4EBA-B55E-656B5868F9AC}"/>
+          <p:cNvPr id="8" name="TextBox 7">
+            <a:extLst>
+              <a:ext uri="{FF2B5EF4-FFF2-40B4-BE49-F238E27FC236}">
+                <a16:creationId xmlns:a16="http://schemas.microsoft.com/office/drawing/2014/main" id="{7EC4E6F5-18FF-4E2E-B668-8203305035A5}"/>
               </a:ext>
             </a:extLst>
           </p:cNvPr>
@@ -8360,8 +8670,8 @@
         </p:nvSpPr>
         <p:spPr>
           <a:xfrm>
-            <a:off x="382554" y="470582"/>
-            <a:ext cx="4609323" cy="1015663"/>
+            <a:off x="2869163" y="1981200"/>
+            <a:ext cx="6453674" cy="830997"/>
           </a:xfrm>
           <a:prstGeom prst="rect">
             <a:avLst/>
@@ -8374,347 +8684,68 @@
           </a:bodyPr>
           <a:lstStyle/>
           <a:p>
-            <a:r>
-              <a:rPr lang="en-US" sz="3200" dirty="0"/>
-              <a:t>RESULTS:</a:t>
-            </a:r>
-          </a:p>
-          <a:p>
-            <a:r>
-              <a:rPr lang="en-US" sz="2800" dirty="0"/>
-              <a:t>Accuracy</a:t>
-            </a:r>
-          </a:p>
-        </p:txBody>
-      </p:sp>
-      <p:pic>
-        <p:nvPicPr>
-          <p:cNvPr id="3" name="Picture 2">
-            <a:extLst>
-              <a:ext uri="{FF2B5EF4-FFF2-40B4-BE49-F238E27FC236}">
-                <a16:creationId xmlns:a16="http://schemas.microsoft.com/office/drawing/2014/main" id="{FCCDBA5F-7415-469F-A0BF-B55DA4C158B1}"/>
-              </a:ext>
-            </a:extLst>
-          </p:cNvPr>
-          <p:cNvPicPr>
-            <a:picLocks noChangeAspect="1"/>
-          </p:cNvPicPr>
+            <a:pPr algn="ctr"/>
+            <a:r>
+              <a:rPr lang="en-US" sz="4800" dirty="0"/>
+              <a:t>Original Program</a:t>
+            </a:r>
+          </a:p>
+        </p:txBody>
+      </p:sp>
+      <p:sp>
+        <p:nvSpPr>
+          <p:cNvPr id="9" name="TextBox 8">
+            <a:extLst>
+              <a:ext uri="{FF2B5EF4-FFF2-40B4-BE49-F238E27FC236}">
+                <a16:creationId xmlns:a16="http://schemas.microsoft.com/office/drawing/2014/main" id="{B0C0DFCB-7C0A-4F43-888C-5E1932C532F6}"/>
+              </a:ext>
+            </a:extLst>
+          </p:cNvPr>
+          <p:cNvSpPr txBox="1"/>
           <p:nvPr/>
-        </p:nvPicPr>
-        <p:blipFill>
-          <a:blip r:embed="rId2">
-            <a:extLst>
-              <a:ext uri="{28A0092B-C50C-407E-A947-70E740481C1C}">
-                <a14:useLocalDpi xmlns:a14="http://schemas.microsoft.com/office/drawing/2010/main" val="0"/>
-              </a:ext>
-            </a:extLst>
-          </a:blip>
-          <a:stretch>
-            <a:fillRect/>
-          </a:stretch>
-        </p:blipFill>
-        <p:spPr>
-          <a:xfrm>
-            <a:off x="3124200" y="96733"/>
-            <a:ext cx="2718711" cy="2039033"/>
+        </p:nvSpPr>
+        <p:spPr>
+          <a:xfrm>
+            <a:off x="2286000" y="3188845"/>
+            <a:ext cx="7417837" cy="1569660"/>
           </a:xfrm>
           <a:prstGeom prst="rect">
             <a:avLst/>
           </a:prstGeom>
-        </p:spPr>
-      </p:pic>
-      <p:pic>
-        <p:nvPicPr>
-          <p:cNvPr id="11" name="Picture 10">
-            <a:extLst>
-              <a:ext uri="{FF2B5EF4-FFF2-40B4-BE49-F238E27FC236}">
-                <a16:creationId xmlns:a16="http://schemas.microsoft.com/office/drawing/2014/main" id="{9118B4D7-26AD-45BE-8375-E50C51C3411D}"/>
-              </a:ext>
-            </a:extLst>
-          </p:cNvPr>
-          <p:cNvPicPr>
-            <a:picLocks noChangeAspect="1"/>
-          </p:cNvPicPr>
-          <p:nvPr/>
-        </p:nvPicPr>
-        <p:blipFill>
-          <a:blip r:embed="rId3">
-            <a:extLst>
-              <a:ext uri="{28A0092B-C50C-407E-A947-70E740481C1C}">
-                <a14:useLocalDpi xmlns:a14="http://schemas.microsoft.com/office/drawing/2010/main" val="0"/>
-              </a:ext>
-            </a:extLst>
-          </a:blip>
-          <a:stretch>
-            <a:fillRect/>
-          </a:stretch>
-        </p:blipFill>
-        <p:spPr>
-          <a:xfrm>
-            <a:off x="6034964" y="96733"/>
-            <a:ext cx="2718711" cy="2039033"/>
-          </a:xfrm>
-          <a:prstGeom prst="rect">
-            <a:avLst/>
-          </a:prstGeom>
-        </p:spPr>
-      </p:pic>
-      <p:pic>
-        <p:nvPicPr>
-          <p:cNvPr id="13" name="Picture 12">
-            <a:extLst>
-              <a:ext uri="{FF2B5EF4-FFF2-40B4-BE49-F238E27FC236}">
-                <a16:creationId xmlns:a16="http://schemas.microsoft.com/office/drawing/2014/main" id="{A131B6C4-B87F-4EDC-9CE6-159E9CF2B4CB}"/>
-              </a:ext>
-            </a:extLst>
-          </p:cNvPr>
-          <p:cNvPicPr>
-            <a:picLocks noChangeAspect="1"/>
-          </p:cNvPicPr>
-          <p:nvPr/>
-        </p:nvPicPr>
-        <p:blipFill>
-          <a:blip r:embed="rId4">
-            <a:extLst>
-              <a:ext uri="{28A0092B-C50C-407E-A947-70E740481C1C}">
-                <a14:useLocalDpi xmlns:a14="http://schemas.microsoft.com/office/drawing/2010/main" val="0"/>
-              </a:ext>
-            </a:extLst>
-          </a:blip>
-          <a:stretch>
-            <a:fillRect/>
-          </a:stretch>
-        </p:blipFill>
-        <p:spPr>
-          <a:xfrm>
-            <a:off x="8950393" y="96733"/>
-            <a:ext cx="2718711" cy="2039033"/>
-          </a:xfrm>
-          <a:prstGeom prst="rect">
-            <a:avLst/>
-          </a:prstGeom>
-        </p:spPr>
-      </p:pic>
-      <p:pic>
-        <p:nvPicPr>
-          <p:cNvPr id="15" name="Picture 14">
-            <a:extLst>
-              <a:ext uri="{FF2B5EF4-FFF2-40B4-BE49-F238E27FC236}">
-                <a16:creationId xmlns:a16="http://schemas.microsoft.com/office/drawing/2014/main" id="{A2E97A75-83EB-4AA0-B12D-3913F0B9FFC5}"/>
-              </a:ext>
-            </a:extLst>
-          </p:cNvPr>
-          <p:cNvPicPr>
-            <a:picLocks noChangeAspect="1"/>
-          </p:cNvPicPr>
-          <p:nvPr/>
-        </p:nvPicPr>
-        <p:blipFill>
-          <a:blip r:embed="rId5">
-            <a:extLst>
-              <a:ext uri="{28A0092B-C50C-407E-A947-70E740481C1C}">
-                <a14:useLocalDpi xmlns:a14="http://schemas.microsoft.com/office/drawing/2010/main" val="0"/>
-              </a:ext>
-            </a:extLst>
-          </a:blip>
-          <a:stretch>
-            <a:fillRect/>
-          </a:stretch>
-        </p:blipFill>
-        <p:spPr>
-          <a:xfrm>
-            <a:off x="3121868" y="2156934"/>
-            <a:ext cx="2718711" cy="2039033"/>
-          </a:xfrm>
-          <a:prstGeom prst="rect">
-            <a:avLst/>
-          </a:prstGeom>
-        </p:spPr>
-      </p:pic>
-      <p:pic>
-        <p:nvPicPr>
-          <p:cNvPr id="17" name="Picture 16">
-            <a:extLst>
-              <a:ext uri="{FF2B5EF4-FFF2-40B4-BE49-F238E27FC236}">
-                <a16:creationId xmlns:a16="http://schemas.microsoft.com/office/drawing/2014/main" id="{207F0E71-C37F-49A8-AA0A-778D45790069}"/>
-              </a:ext>
-            </a:extLst>
-          </p:cNvPr>
-          <p:cNvPicPr>
-            <a:picLocks noChangeAspect="1"/>
-          </p:cNvPicPr>
-          <p:nvPr/>
-        </p:nvPicPr>
-        <p:blipFill>
-          <a:blip r:embed="rId6">
-            <a:extLst>
-              <a:ext uri="{28A0092B-C50C-407E-A947-70E740481C1C}">
-                <a14:useLocalDpi xmlns:a14="http://schemas.microsoft.com/office/drawing/2010/main" val="0"/>
-              </a:ext>
-            </a:extLst>
-          </a:blip>
-          <a:stretch>
-            <a:fillRect/>
-          </a:stretch>
-        </p:blipFill>
-        <p:spPr>
-          <a:xfrm>
-            <a:off x="6028744" y="2156935"/>
-            <a:ext cx="2718711" cy="2039033"/>
-          </a:xfrm>
-          <a:prstGeom prst="rect">
-            <a:avLst/>
-          </a:prstGeom>
-        </p:spPr>
-      </p:pic>
-      <p:pic>
-        <p:nvPicPr>
-          <p:cNvPr id="19" name="Picture 18">
-            <a:extLst>
-              <a:ext uri="{FF2B5EF4-FFF2-40B4-BE49-F238E27FC236}">
-                <a16:creationId xmlns:a16="http://schemas.microsoft.com/office/drawing/2014/main" id="{FDA609FB-C9F0-445F-BE99-68FA2F4951F0}"/>
-              </a:ext>
-            </a:extLst>
-          </p:cNvPr>
-          <p:cNvPicPr>
-            <a:picLocks noChangeAspect="1"/>
-          </p:cNvPicPr>
-          <p:nvPr/>
-        </p:nvPicPr>
-        <p:blipFill>
-          <a:blip r:embed="rId7">
-            <a:extLst>
-              <a:ext uri="{28A0092B-C50C-407E-A947-70E740481C1C}">
-                <a14:useLocalDpi xmlns:a14="http://schemas.microsoft.com/office/drawing/2010/main" val="0"/>
-              </a:ext>
-            </a:extLst>
-          </a:blip>
-          <a:stretch>
-            <a:fillRect/>
-          </a:stretch>
-        </p:blipFill>
-        <p:spPr>
-          <a:xfrm>
-            <a:off x="8945728" y="2156936"/>
-            <a:ext cx="2718711" cy="2039033"/>
-          </a:xfrm>
-          <a:prstGeom prst="rect">
-            <a:avLst/>
-          </a:prstGeom>
-        </p:spPr>
-      </p:pic>
-      <p:pic>
-        <p:nvPicPr>
-          <p:cNvPr id="21" name="Picture 20">
-            <a:extLst>
-              <a:ext uri="{FF2B5EF4-FFF2-40B4-BE49-F238E27FC236}">
-                <a16:creationId xmlns:a16="http://schemas.microsoft.com/office/drawing/2014/main" id="{28C7B455-A546-434F-BA7E-79E3B01E37DA}"/>
-              </a:ext>
-            </a:extLst>
-          </p:cNvPr>
-          <p:cNvPicPr>
-            <a:picLocks noChangeAspect="1"/>
-          </p:cNvPicPr>
-          <p:nvPr/>
-        </p:nvPicPr>
-        <p:blipFill>
-          <a:blip r:embed="rId8">
-            <a:extLst>
-              <a:ext uri="{28A0092B-C50C-407E-A947-70E740481C1C}">
-                <a14:useLocalDpi xmlns:a14="http://schemas.microsoft.com/office/drawing/2010/main" val="0"/>
-              </a:ext>
-            </a:extLst>
-          </a:blip>
-          <a:stretch>
-            <a:fillRect/>
-          </a:stretch>
-        </p:blipFill>
-        <p:spPr>
-          <a:xfrm>
-            <a:off x="8955059" y="4195967"/>
-            <a:ext cx="2718711" cy="2039033"/>
-          </a:xfrm>
-          <a:prstGeom prst="rect">
-            <a:avLst/>
-          </a:prstGeom>
-        </p:spPr>
-      </p:pic>
-      <p:pic>
-        <p:nvPicPr>
-          <p:cNvPr id="23" name="Picture 22">
-            <a:extLst>
-              <a:ext uri="{FF2B5EF4-FFF2-40B4-BE49-F238E27FC236}">
-                <a16:creationId xmlns:a16="http://schemas.microsoft.com/office/drawing/2014/main" id="{508033D5-DEC0-4CEB-AACB-420DE69B7DE9}"/>
-              </a:ext>
-            </a:extLst>
-          </p:cNvPr>
-          <p:cNvPicPr>
-            <a:picLocks noChangeAspect="1"/>
-          </p:cNvPicPr>
-          <p:nvPr/>
-        </p:nvPicPr>
-        <p:blipFill>
-          <a:blip r:embed="rId9">
-            <a:extLst>
-              <a:ext uri="{28A0092B-C50C-407E-A947-70E740481C1C}">
-                <a14:useLocalDpi xmlns:a14="http://schemas.microsoft.com/office/drawing/2010/main" val="0"/>
-              </a:ext>
-            </a:extLst>
-          </a:blip>
-          <a:stretch>
-            <a:fillRect/>
-          </a:stretch>
-        </p:blipFill>
-        <p:spPr>
-          <a:xfrm>
-            <a:off x="6038075" y="4190721"/>
-            <a:ext cx="2718711" cy="2039033"/>
-          </a:xfrm>
-          <a:prstGeom prst="rect">
-            <a:avLst/>
-          </a:prstGeom>
-        </p:spPr>
-      </p:pic>
-      <p:pic>
-        <p:nvPicPr>
-          <p:cNvPr id="25" name="Picture 24">
-            <a:extLst>
-              <a:ext uri="{FF2B5EF4-FFF2-40B4-BE49-F238E27FC236}">
-                <a16:creationId xmlns:a16="http://schemas.microsoft.com/office/drawing/2014/main" id="{E543F923-67A6-473B-A96D-035F0A378E6E}"/>
-              </a:ext>
-            </a:extLst>
-          </p:cNvPr>
-          <p:cNvPicPr>
-            <a:picLocks noChangeAspect="1"/>
-          </p:cNvPicPr>
-          <p:nvPr/>
-        </p:nvPicPr>
-        <p:blipFill>
-          <a:blip r:embed="rId10">
-            <a:extLst>
-              <a:ext uri="{28A0092B-C50C-407E-A947-70E740481C1C}">
-                <a14:useLocalDpi xmlns:a14="http://schemas.microsoft.com/office/drawing/2010/main" val="0"/>
-              </a:ext>
-            </a:extLst>
-          </a:blip>
-          <a:stretch>
-            <a:fillRect/>
-          </a:stretch>
-        </p:blipFill>
-        <p:spPr>
-          <a:xfrm>
-            <a:off x="3123423" y="4182966"/>
-            <a:ext cx="2718711" cy="2039033"/>
-          </a:xfrm>
-          <a:prstGeom prst="rect">
-            <a:avLst/>
-          </a:prstGeom>
-        </p:spPr>
-      </p:pic>
+          <a:noFill/>
+        </p:spPr>
+        <p:txBody>
+          <a:bodyPr wrap="square" rtlCol="0">
+            <a:spAutoFit/>
+          </a:bodyPr>
+          <a:lstStyle/>
+          <a:p>
+            <a:pPr algn="ctr"/>
+            <a:r>
+              <a:rPr lang="en-US" sz="3200" dirty="0"/>
+              <a:t>Gradient Descent Algorithm:</a:t>
+            </a:r>
+          </a:p>
+          <a:p>
+            <a:pPr algn="ctr"/>
+            <a:r>
+              <a:rPr lang="en-US" sz="3200" dirty="0"/>
+              <a:t>Stochastic Gradient Descent</a:t>
+            </a:r>
+          </a:p>
+          <a:p>
+            <a:pPr algn="ctr"/>
+            <a:r>
+              <a:rPr lang="en-US" sz="3200" dirty="0"/>
+              <a:t>(SGD)</a:t>
+            </a:r>
+          </a:p>
+        </p:txBody>
+      </p:sp>
     </p:spTree>
     <p:extLst>
       <p:ext uri="{BB962C8B-B14F-4D97-AF65-F5344CB8AC3E}">
-        <p14:creationId xmlns:p14="http://schemas.microsoft.com/office/powerpoint/2010/main" val="3659899019"/>
+        <p14:creationId xmlns:p14="http://schemas.microsoft.com/office/powerpoint/2010/main" val="1808343792"/>
       </p:ext>
     </p:extLst>
   </p:cSld>
@@ -8974,6 +9005,629 @@
           <p:cNvPr id="6" name="TextBox 5">
             <a:extLst>
               <a:ext uri="{FF2B5EF4-FFF2-40B4-BE49-F238E27FC236}">
+                <a16:creationId xmlns:a16="http://schemas.microsoft.com/office/drawing/2014/main" id="{251FAAA2-450A-4EBA-B55E-656B5868F9AC}"/>
+              </a:ext>
+            </a:extLst>
+          </p:cNvPr>
+          <p:cNvSpPr txBox="1"/>
+          <p:nvPr/>
+        </p:nvSpPr>
+        <p:spPr>
+          <a:xfrm>
+            <a:off x="382554" y="470582"/>
+            <a:ext cx="4609323" cy="1015663"/>
+          </a:xfrm>
+          <a:prstGeom prst="rect">
+            <a:avLst/>
+          </a:prstGeom>
+          <a:noFill/>
+        </p:spPr>
+        <p:txBody>
+          <a:bodyPr wrap="square" rtlCol="0">
+            <a:spAutoFit/>
+          </a:bodyPr>
+          <a:lstStyle/>
+          <a:p>
+            <a:r>
+              <a:rPr lang="en-US" sz="3200" dirty="0"/>
+              <a:t>RESULTS:</a:t>
+            </a:r>
+          </a:p>
+          <a:p>
+            <a:r>
+              <a:rPr lang="en-US" sz="2800" dirty="0"/>
+              <a:t>Accuracy</a:t>
+            </a:r>
+          </a:p>
+        </p:txBody>
+      </p:sp>
+      <p:pic>
+        <p:nvPicPr>
+          <p:cNvPr id="3" name="Picture 2">
+            <a:extLst>
+              <a:ext uri="{FF2B5EF4-FFF2-40B4-BE49-F238E27FC236}">
+                <a16:creationId xmlns:a16="http://schemas.microsoft.com/office/drawing/2014/main" id="{FCCDBA5F-7415-469F-A0BF-B55DA4C158B1}"/>
+              </a:ext>
+            </a:extLst>
+          </p:cNvPr>
+          <p:cNvPicPr>
+            <a:picLocks noChangeAspect="1"/>
+          </p:cNvPicPr>
+          <p:nvPr/>
+        </p:nvPicPr>
+        <p:blipFill>
+          <a:blip r:embed="rId2">
+            <a:extLst>
+              <a:ext uri="{28A0092B-C50C-407E-A947-70E740481C1C}">
+                <a14:useLocalDpi xmlns:a14="http://schemas.microsoft.com/office/drawing/2010/main" val="0"/>
+              </a:ext>
+            </a:extLst>
+          </a:blip>
+          <a:stretch>
+            <a:fillRect/>
+          </a:stretch>
+        </p:blipFill>
+        <p:spPr>
+          <a:xfrm>
+            <a:off x="3124200" y="96733"/>
+            <a:ext cx="2718711" cy="2039033"/>
+          </a:xfrm>
+          <a:prstGeom prst="rect">
+            <a:avLst/>
+          </a:prstGeom>
+        </p:spPr>
+      </p:pic>
+      <p:pic>
+        <p:nvPicPr>
+          <p:cNvPr id="11" name="Picture 10">
+            <a:extLst>
+              <a:ext uri="{FF2B5EF4-FFF2-40B4-BE49-F238E27FC236}">
+                <a16:creationId xmlns:a16="http://schemas.microsoft.com/office/drawing/2014/main" id="{9118B4D7-26AD-45BE-8375-E50C51C3411D}"/>
+              </a:ext>
+            </a:extLst>
+          </p:cNvPr>
+          <p:cNvPicPr>
+            <a:picLocks noChangeAspect="1"/>
+          </p:cNvPicPr>
+          <p:nvPr/>
+        </p:nvPicPr>
+        <p:blipFill>
+          <a:blip r:embed="rId3">
+            <a:extLst>
+              <a:ext uri="{28A0092B-C50C-407E-A947-70E740481C1C}">
+                <a14:useLocalDpi xmlns:a14="http://schemas.microsoft.com/office/drawing/2010/main" val="0"/>
+              </a:ext>
+            </a:extLst>
+          </a:blip>
+          <a:stretch>
+            <a:fillRect/>
+          </a:stretch>
+        </p:blipFill>
+        <p:spPr>
+          <a:xfrm>
+            <a:off x="6034964" y="96733"/>
+            <a:ext cx="2718711" cy="2039033"/>
+          </a:xfrm>
+          <a:prstGeom prst="rect">
+            <a:avLst/>
+          </a:prstGeom>
+        </p:spPr>
+      </p:pic>
+      <p:pic>
+        <p:nvPicPr>
+          <p:cNvPr id="13" name="Picture 12">
+            <a:extLst>
+              <a:ext uri="{FF2B5EF4-FFF2-40B4-BE49-F238E27FC236}">
+                <a16:creationId xmlns:a16="http://schemas.microsoft.com/office/drawing/2014/main" id="{A131B6C4-B87F-4EDC-9CE6-159E9CF2B4CB}"/>
+              </a:ext>
+            </a:extLst>
+          </p:cNvPr>
+          <p:cNvPicPr>
+            <a:picLocks noChangeAspect="1"/>
+          </p:cNvPicPr>
+          <p:nvPr/>
+        </p:nvPicPr>
+        <p:blipFill>
+          <a:blip r:embed="rId4">
+            <a:extLst>
+              <a:ext uri="{28A0092B-C50C-407E-A947-70E740481C1C}">
+                <a14:useLocalDpi xmlns:a14="http://schemas.microsoft.com/office/drawing/2010/main" val="0"/>
+              </a:ext>
+            </a:extLst>
+          </a:blip>
+          <a:stretch>
+            <a:fillRect/>
+          </a:stretch>
+        </p:blipFill>
+        <p:spPr>
+          <a:xfrm>
+            <a:off x="8950393" y="96733"/>
+            <a:ext cx="2718711" cy="2039033"/>
+          </a:xfrm>
+          <a:prstGeom prst="rect">
+            <a:avLst/>
+          </a:prstGeom>
+        </p:spPr>
+      </p:pic>
+      <p:pic>
+        <p:nvPicPr>
+          <p:cNvPr id="15" name="Picture 14">
+            <a:extLst>
+              <a:ext uri="{FF2B5EF4-FFF2-40B4-BE49-F238E27FC236}">
+                <a16:creationId xmlns:a16="http://schemas.microsoft.com/office/drawing/2014/main" id="{A2E97A75-83EB-4AA0-B12D-3913F0B9FFC5}"/>
+              </a:ext>
+            </a:extLst>
+          </p:cNvPr>
+          <p:cNvPicPr>
+            <a:picLocks noChangeAspect="1"/>
+          </p:cNvPicPr>
+          <p:nvPr/>
+        </p:nvPicPr>
+        <p:blipFill>
+          <a:blip r:embed="rId5">
+            <a:extLst>
+              <a:ext uri="{28A0092B-C50C-407E-A947-70E740481C1C}">
+                <a14:useLocalDpi xmlns:a14="http://schemas.microsoft.com/office/drawing/2010/main" val="0"/>
+              </a:ext>
+            </a:extLst>
+          </a:blip>
+          <a:stretch>
+            <a:fillRect/>
+          </a:stretch>
+        </p:blipFill>
+        <p:spPr>
+          <a:xfrm>
+            <a:off x="3121868" y="2156934"/>
+            <a:ext cx="2718711" cy="2039033"/>
+          </a:xfrm>
+          <a:prstGeom prst="rect">
+            <a:avLst/>
+          </a:prstGeom>
+        </p:spPr>
+      </p:pic>
+      <p:pic>
+        <p:nvPicPr>
+          <p:cNvPr id="17" name="Picture 16">
+            <a:extLst>
+              <a:ext uri="{FF2B5EF4-FFF2-40B4-BE49-F238E27FC236}">
+                <a16:creationId xmlns:a16="http://schemas.microsoft.com/office/drawing/2014/main" id="{207F0E71-C37F-49A8-AA0A-778D45790069}"/>
+              </a:ext>
+            </a:extLst>
+          </p:cNvPr>
+          <p:cNvPicPr>
+            <a:picLocks noChangeAspect="1"/>
+          </p:cNvPicPr>
+          <p:nvPr/>
+        </p:nvPicPr>
+        <p:blipFill>
+          <a:blip r:embed="rId6">
+            <a:extLst>
+              <a:ext uri="{28A0092B-C50C-407E-A947-70E740481C1C}">
+                <a14:useLocalDpi xmlns:a14="http://schemas.microsoft.com/office/drawing/2010/main" val="0"/>
+              </a:ext>
+            </a:extLst>
+          </a:blip>
+          <a:stretch>
+            <a:fillRect/>
+          </a:stretch>
+        </p:blipFill>
+        <p:spPr>
+          <a:xfrm>
+            <a:off x="6028744" y="2156935"/>
+            <a:ext cx="2718711" cy="2039033"/>
+          </a:xfrm>
+          <a:prstGeom prst="rect">
+            <a:avLst/>
+          </a:prstGeom>
+        </p:spPr>
+      </p:pic>
+      <p:pic>
+        <p:nvPicPr>
+          <p:cNvPr id="19" name="Picture 18">
+            <a:extLst>
+              <a:ext uri="{FF2B5EF4-FFF2-40B4-BE49-F238E27FC236}">
+                <a16:creationId xmlns:a16="http://schemas.microsoft.com/office/drawing/2014/main" id="{FDA609FB-C9F0-445F-BE99-68FA2F4951F0}"/>
+              </a:ext>
+            </a:extLst>
+          </p:cNvPr>
+          <p:cNvPicPr>
+            <a:picLocks noChangeAspect="1"/>
+          </p:cNvPicPr>
+          <p:nvPr/>
+        </p:nvPicPr>
+        <p:blipFill>
+          <a:blip r:embed="rId7">
+            <a:extLst>
+              <a:ext uri="{28A0092B-C50C-407E-A947-70E740481C1C}">
+                <a14:useLocalDpi xmlns:a14="http://schemas.microsoft.com/office/drawing/2010/main" val="0"/>
+              </a:ext>
+            </a:extLst>
+          </a:blip>
+          <a:stretch>
+            <a:fillRect/>
+          </a:stretch>
+        </p:blipFill>
+        <p:spPr>
+          <a:xfrm>
+            <a:off x="8945728" y="2156936"/>
+            <a:ext cx="2718711" cy="2039033"/>
+          </a:xfrm>
+          <a:prstGeom prst="rect">
+            <a:avLst/>
+          </a:prstGeom>
+        </p:spPr>
+      </p:pic>
+      <p:pic>
+        <p:nvPicPr>
+          <p:cNvPr id="21" name="Picture 20">
+            <a:extLst>
+              <a:ext uri="{FF2B5EF4-FFF2-40B4-BE49-F238E27FC236}">
+                <a16:creationId xmlns:a16="http://schemas.microsoft.com/office/drawing/2014/main" id="{28C7B455-A546-434F-BA7E-79E3B01E37DA}"/>
+              </a:ext>
+            </a:extLst>
+          </p:cNvPr>
+          <p:cNvPicPr>
+            <a:picLocks noChangeAspect="1"/>
+          </p:cNvPicPr>
+          <p:nvPr/>
+        </p:nvPicPr>
+        <p:blipFill>
+          <a:blip r:embed="rId8">
+            <a:extLst>
+              <a:ext uri="{28A0092B-C50C-407E-A947-70E740481C1C}">
+                <a14:useLocalDpi xmlns:a14="http://schemas.microsoft.com/office/drawing/2010/main" val="0"/>
+              </a:ext>
+            </a:extLst>
+          </a:blip>
+          <a:stretch>
+            <a:fillRect/>
+          </a:stretch>
+        </p:blipFill>
+        <p:spPr>
+          <a:xfrm>
+            <a:off x="8955059" y="4195967"/>
+            <a:ext cx="2718711" cy="2039033"/>
+          </a:xfrm>
+          <a:prstGeom prst="rect">
+            <a:avLst/>
+          </a:prstGeom>
+        </p:spPr>
+      </p:pic>
+      <p:pic>
+        <p:nvPicPr>
+          <p:cNvPr id="23" name="Picture 22">
+            <a:extLst>
+              <a:ext uri="{FF2B5EF4-FFF2-40B4-BE49-F238E27FC236}">
+                <a16:creationId xmlns:a16="http://schemas.microsoft.com/office/drawing/2014/main" id="{508033D5-DEC0-4CEB-AACB-420DE69B7DE9}"/>
+              </a:ext>
+            </a:extLst>
+          </p:cNvPr>
+          <p:cNvPicPr>
+            <a:picLocks noChangeAspect="1"/>
+          </p:cNvPicPr>
+          <p:nvPr/>
+        </p:nvPicPr>
+        <p:blipFill>
+          <a:blip r:embed="rId9">
+            <a:extLst>
+              <a:ext uri="{28A0092B-C50C-407E-A947-70E740481C1C}">
+                <a14:useLocalDpi xmlns:a14="http://schemas.microsoft.com/office/drawing/2010/main" val="0"/>
+              </a:ext>
+            </a:extLst>
+          </a:blip>
+          <a:stretch>
+            <a:fillRect/>
+          </a:stretch>
+        </p:blipFill>
+        <p:spPr>
+          <a:xfrm>
+            <a:off x="6038075" y="4190721"/>
+            <a:ext cx="2718711" cy="2039033"/>
+          </a:xfrm>
+          <a:prstGeom prst="rect">
+            <a:avLst/>
+          </a:prstGeom>
+        </p:spPr>
+      </p:pic>
+      <p:pic>
+        <p:nvPicPr>
+          <p:cNvPr id="25" name="Picture 24">
+            <a:extLst>
+              <a:ext uri="{FF2B5EF4-FFF2-40B4-BE49-F238E27FC236}">
+                <a16:creationId xmlns:a16="http://schemas.microsoft.com/office/drawing/2014/main" id="{E543F923-67A6-473B-A96D-035F0A378E6E}"/>
+              </a:ext>
+            </a:extLst>
+          </p:cNvPr>
+          <p:cNvPicPr>
+            <a:picLocks noChangeAspect="1"/>
+          </p:cNvPicPr>
+          <p:nvPr/>
+        </p:nvPicPr>
+        <p:blipFill>
+          <a:blip r:embed="rId10">
+            <a:extLst>
+              <a:ext uri="{28A0092B-C50C-407E-A947-70E740481C1C}">
+                <a14:useLocalDpi xmlns:a14="http://schemas.microsoft.com/office/drawing/2010/main" val="0"/>
+              </a:ext>
+            </a:extLst>
+          </a:blip>
+          <a:stretch>
+            <a:fillRect/>
+          </a:stretch>
+        </p:blipFill>
+        <p:spPr>
+          <a:xfrm>
+            <a:off x="3123423" y="4182966"/>
+            <a:ext cx="2718711" cy="2039033"/>
+          </a:xfrm>
+          <a:prstGeom prst="rect">
+            <a:avLst/>
+          </a:prstGeom>
+        </p:spPr>
+      </p:pic>
+    </p:spTree>
+    <p:extLst>
+      <p:ext uri="{BB962C8B-B14F-4D97-AF65-F5344CB8AC3E}">
+        <p14:creationId xmlns:p14="http://schemas.microsoft.com/office/powerpoint/2010/main" val="3659899019"/>
+      </p:ext>
+    </p:extLst>
+  </p:cSld>
+  <p:clrMapOvr>
+    <a:masterClrMapping/>
+  </p:clrMapOvr>
+</p:sld>
+</file>
+
+<file path=ppt/slides/slide8.xml><?xml version="1.0" encoding="utf-8"?>
+<p:sld xmlns:a="http://schemas.openxmlformats.org/drawingml/2006/main" xmlns:r="http://schemas.openxmlformats.org/officeDocument/2006/relationships" xmlns:p="http://schemas.openxmlformats.org/presentationml/2006/main">
+  <p:cSld>
+    <p:spTree>
+      <p:nvGrpSpPr>
+        <p:cNvPr id="1" name=""/>
+        <p:cNvGrpSpPr/>
+        <p:nvPr/>
+      </p:nvGrpSpPr>
+      <p:grpSpPr>
+        <a:xfrm>
+          <a:off x="0" y="0"/>
+          <a:ext cx="0" cy="0"/>
+          <a:chOff x="0" y="0"/>
+          <a:chExt cx="0" cy="0"/>
+        </a:xfrm>
+      </p:grpSpPr>
+      <p:sp>
+        <p:nvSpPr>
+          <p:cNvPr id="7" name="Rectangle 6">
+            <a:extLst>
+              <a:ext uri="{FF2B5EF4-FFF2-40B4-BE49-F238E27FC236}">
+                <a16:creationId xmlns:a16="http://schemas.microsoft.com/office/drawing/2014/main" id="{F0ADDA2B-3A53-4C82-9FF7-C53D07090E0E}"/>
+              </a:ext>
+            </a:extLst>
+          </p:cNvPr>
+          <p:cNvSpPr/>
+          <p:nvPr/>
+        </p:nvSpPr>
+        <p:spPr>
+          <a:xfrm>
+            <a:off x="0" y="6335484"/>
+            <a:ext cx="12192000" cy="522516"/>
+          </a:xfrm>
+          <a:prstGeom prst="rect">
+            <a:avLst/>
+          </a:prstGeom>
+          <a:solidFill>
+            <a:srgbClr val="08CE83"/>
+          </a:solidFill>
+          <a:ln>
+            <a:noFill/>
+          </a:ln>
+        </p:spPr>
+        <p:style>
+          <a:lnRef idx="2">
+            <a:schemeClr val="accent1">
+              <a:shade val="50000"/>
+            </a:schemeClr>
+          </a:lnRef>
+          <a:fillRef idx="1">
+            <a:schemeClr val="accent1"/>
+          </a:fillRef>
+          <a:effectRef idx="0">
+            <a:schemeClr val="accent1"/>
+          </a:effectRef>
+          <a:fontRef idx="minor">
+            <a:schemeClr val="lt1"/>
+          </a:fontRef>
+        </p:style>
+        <p:txBody>
+          <a:bodyPr rtlCol="0" anchor="ctr"/>
+          <a:lstStyle/>
+          <a:p>
+            <a:pPr algn="ctr"/>
+            <a:endParaRPr lang="en-US"/>
+          </a:p>
+        </p:txBody>
+      </p:sp>
+      <p:sp>
+        <p:nvSpPr>
+          <p:cNvPr id="4" name="Footer Placeholder 3">
+            <a:extLst>
+              <a:ext uri="{FF2B5EF4-FFF2-40B4-BE49-F238E27FC236}">
+                <a16:creationId xmlns:a16="http://schemas.microsoft.com/office/drawing/2014/main" id="{313896CA-8C67-4DE5-9FEC-0057A44301F1}"/>
+              </a:ext>
+            </a:extLst>
+          </p:cNvPr>
+          <p:cNvSpPr>
+            <a:spLocks noGrp="1"/>
+          </p:cNvSpPr>
+          <p:nvPr>
+            <p:ph type="ftr" sz="quarter" idx="11"/>
+          </p:nvPr>
+        </p:nvSpPr>
+        <p:spPr>
+          <a:xfrm>
+            <a:off x="5597979" y="6414178"/>
+            <a:ext cx="996042" cy="365125"/>
+          </a:xfrm>
+        </p:spPr>
+        <p:txBody>
+          <a:bodyPr/>
+          <a:lstStyle/>
+          <a:p>
+            <a:fld id="{85222E6B-A692-4F22-B829-6CDE6DAA2FC5}" type="slidenum">
+              <a:rPr lang="en-US" sz="1400" b="1" smtClean="0">
+                <a:solidFill>
+                  <a:schemeClr val="bg1"/>
+                </a:solidFill>
+              </a:rPr>
+              <a:t>8</a:t>
+            </a:fld>
+            <a:endParaRPr lang="en-US" sz="1400" b="1" dirty="0">
+              <a:solidFill>
+                <a:schemeClr val="bg1"/>
+              </a:solidFill>
+            </a:endParaRPr>
+          </a:p>
+        </p:txBody>
+      </p:sp>
+      <p:sp>
+        <p:nvSpPr>
+          <p:cNvPr id="5" name="Footer Placeholder 3">
+            <a:extLst>
+              <a:ext uri="{FF2B5EF4-FFF2-40B4-BE49-F238E27FC236}">
+                <a16:creationId xmlns:a16="http://schemas.microsoft.com/office/drawing/2014/main" id="{E5A65338-FFC5-4A25-B760-AEA785441EAC}"/>
+              </a:ext>
+            </a:extLst>
+          </p:cNvPr>
+          <p:cNvSpPr txBox="1">
+            <a:spLocks/>
+          </p:cNvSpPr>
+          <p:nvPr/>
+        </p:nvSpPr>
+        <p:spPr>
+          <a:xfrm>
+            <a:off x="-13218" y="6414179"/>
+            <a:ext cx="4174671" cy="365125"/>
+          </a:xfrm>
+          <a:prstGeom prst="rect">
+            <a:avLst/>
+          </a:prstGeom>
+        </p:spPr>
+        <p:txBody>
+          <a:bodyPr vert="horz" lIns="91440" tIns="45720" rIns="91440" bIns="45720" rtlCol="0" anchor="ctr"/>
+          <a:lstStyle>
+            <a:defPPr>
+              <a:defRPr lang="en-US"/>
+            </a:defPPr>
+            <a:lvl1pPr marL="0" algn="ctr" defTabSz="914400" rtl="0" eaLnBrk="1" latinLnBrk="0" hangingPunct="1">
+              <a:defRPr sz="1200" kern="1200">
+                <a:solidFill>
+                  <a:schemeClr val="tx1">
+                    <a:tint val="75000"/>
+                  </a:schemeClr>
+                </a:solidFill>
+                <a:latin typeface="+mn-lt"/>
+                <a:ea typeface="+mn-ea"/>
+                <a:cs typeface="+mn-cs"/>
+              </a:defRPr>
+            </a:lvl1pPr>
+            <a:lvl2pPr marL="457200" algn="l" defTabSz="914400" rtl="0" eaLnBrk="1" latinLnBrk="0" hangingPunct="1">
+              <a:defRPr sz="1800" kern="1200">
+                <a:solidFill>
+                  <a:schemeClr val="tx1"/>
+                </a:solidFill>
+                <a:latin typeface="+mn-lt"/>
+                <a:ea typeface="+mn-ea"/>
+                <a:cs typeface="+mn-cs"/>
+              </a:defRPr>
+            </a:lvl2pPr>
+            <a:lvl3pPr marL="914400" algn="l" defTabSz="914400" rtl="0" eaLnBrk="1" latinLnBrk="0" hangingPunct="1">
+              <a:defRPr sz="1800" kern="1200">
+                <a:solidFill>
+                  <a:schemeClr val="tx1"/>
+                </a:solidFill>
+                <a:latin typeface="+mn-lt"/>
+                <a:ea typeface="+mn-ea"/>
+                <a:cs typeface="+mn-cs"/>
+              </a:defRPr>
+            </a:lvl3pPr>
+            <a:lvl4pPr marL="1371600" algn="l" defTabSz="914400" rtl="0" eaLnBrk="1" latinLnBrk="0" hangingPunct="1">
+              <a:defRPr sz="1800" kern="1200">
+                <a:solidFill>
+                  <a:schemeClr val="tx1"/>
+                </a:solidFill>
+                <a:latin typeface="+mn-lt"/>
+                <a:ea typeface="+mn-ea"/>
+                <a:cs typeface="+mn-cs"/>
+              </a:defRPr>
+            </a:lvl4pPr>
+            <a:lvl5pPr marL="1828800" algn="l" defTabSz="914400" rtl="0" eaLnBrk="1" latinLnBrk="0" hangingPunct="1">
+              <a:defRPr sz="1800" kern="1200">
+                <a:solidFill>
+                  <a:schemeClr val="tx1"/>
+                </a:solidFill>
+                <a:latin typeface="+mn-lt"/>
+                <a:ea typeface="+mn-ea"/>
+                <a:cs typeface="+mn-cs"/>
+              </a:defRPr>
+            </a:lvl5pPr>
+            <a:lvl6pPr marL="2286000" algn="l" defTabSz="914400" rtl="0" eaLnBrk="1" latinLnBrk="0" hangingPunct="1">
+              <a:defRPr sz="1800" kern="1200">
+                <a:solidFill>
+                  <a:schemeClr val="tx1"/>
+                </a:solidFill>
+                <a:latin typeface="+mn-lt"/>
+                <a:ea typeface="+mn-ea"/>
+                <a:cs typeface="+mn-cs"/>
+              </a:defRPr>
+            </a:lvl6pPr>
+            <a:lvl7pPr marL="2743200" algn="l" defTabSz="914400" rtl="0" eaLnBrk="1" latinLnBrk="0" hangingPunct="1">
+              <a:defRPr sz="1800" kern="1200">
+                <a:solidFill>
+                  <a:schemeClr val="tx1"/>
+                </a:solidFill>
+                <a:latin typeface="+mn-lt"/>
+                <a:ea typeface="+mn-ea"/>
+                <a:cs typeface="+mn-cs"/>
+              </a:defRPr>
+            </a:lvl7pPr>
+            <a:lvl8pPr marL="3200400" algn="l" defTabSz="914400" rtl="0" eaLnBrk="1" latinLnBrk="0" hangingPunct="1">
+              <a:defRPr sz="1800" kern="1200">
+                <a:solidFill>
+                  <a:schemeClr val="tx1"/>
+                </a:solidFill>
+                <a:latin typeface="+mn-lt"/>
+                <a:ea typeface="+mn-ea"/>
+                <a:cs typeface="+mn-cs"/>
+              </a:defRPr>
+            </a:lvl8pPr>
+            <a:lvl9pPr marL="3657600" algn="l" defTabSz="914400" rtl="0" eaLnBrk="1" latinLnBrk="0" hangingPunct="1">
+              <a:defRPr sz="1800" kern="1200">
+                <a:solidFill>
+                  <a:schemeClr val="tx1"/>
+                </a:solidFill>
+                <a:latin typeface="+mn-lt"/>
+                <a:ea typeface="+mn-ea"/>
+                <a:cs typeface="+mn-cs"/>
+              </a:defRPr>
+            </a:lvl9pPr>
+          </a:lstStyle>
+          <a:p>
+            <a:r>
+              <a:rPr lang="en-US" sz="1600" dirty="0">
+                <a:solidFill>
+                  <a:schemeClr val="bg1"/>
+                </a:solidFill>
+              </a:rPr>
+              <a:t>Design &amp; Analysis of Algorithms Spring 2018</a:t>
+            </a:r>
+          </a:p>
+        </p:txBody>
+      </p:sp>
+      <p:sp>
+        <p:nvSpPr>
+          <p:cNvPr id="6" name="TextBox 5">
+            <a:extLst>
+              <a:ext uri="{FF2B5EF4-FFF2-40B4-BE49-F238E27FC236}">
                 <a16:creationId xmlns:a16="http://schemas.microsoft.com/office/drawing/2014/main" id="{621B73C7-20EF-402A-9F1D-DD449B26C0CF}"/>
               </a:ext>
             </a:extLst>
@@ -9131,7 +9785,7 @@
 </p:sld>
 </file>
 
-<file path=ppt/slides/slide8.xml><?xml version="1.0" encoding="utf-8"?>
+<file path=ppt/slides/slide9.xml><?xml version="1.0" encoding="utf-8"?>
 <p:sld xmlns:a="http://schemas.openxmlformats.org/drawingml/2006/main" xmlns:r="http://schemas.openxmlformats.org/officeDocument/2006/relationships" xmlns:p="http://schemas.openxmlformats.org/presentationml/2006/main">
   <p:cSld>
     <p:spTree>
@@ -9577,7 +10231,7 @@
                   <a:schemeClr val="bg1"/>
                 </a:solidFill>
               </a:rPr>
-              <a:t>8</a:t>
+              <a:t>9</a:t>
             </a:fld>
             <a:endParaRPr lang="en-US" sz="1400" b="1" dirty="0">
               <a:solidFill>
@@ -9766,413 +10420,6 @@
     <p:extLst>
       <p:ext uri="{BB962C8B-B14F-4D97-AF65-F5344CB8AC3E}">
         <p14:creationId xmlns:p14="http://schemas.microsoft.com/office/powerpoint/2010/main" val="3454192960"/>
-      </p:ext>
-    </p:extLst>
-  </p:cSld>
-  <p:clrMapOvr>
-    <a:masterClrMapping/>
-  </p:clrMapOvr>
-</p:sld>
-</file>
-
-<file path=ppt/slides/slide9.xml><?xml version="1.0" encoding="utf-8"?>
-<p:sld xmlns:a="http://schemas.openxmlformats.org/drawingml/2006/main" xmlns:r="http://schemas.openxmlformats.org/officeDocument/2006/relationships" xmlns:p="http://schemas.openxmlformats.org/presentationml/2006/main">
-  <p:cSld>
-    <p:spTree>
-      <p:nvGrpSpPr>
-        <p:cNvPr id="1" name=""/>
-        <p:cNvGrpSpPr/>
-        <p:nvPr/>
-      </p:nvGrpSpPr>
-      <p:grpSpPr>
-        <a:xfrm>
-          <a:off x="0" y="0"/>
-          <a:ext cx="0" cy="0"/>
-          <a:chOff x="0" y="0"/>
-          <a:chExt cx="0" cy="0"/>
-        </a:xfrm>
-      </p:grpSpPr>
-      <p:sp>
-        <p:nvSpPr>
-          <p:cNvPr id="7" name="Rectangle 6">
-            <a:extLst>
-              <a:ext uri="{FF2B5EF4-FFF2-40B4-BE49-F238E27FC236}">
-                <a16:creationId xmlns:a16="http://schemas.microsoft.com/office/drawing/2014/main" id="{F0ADDA2B-3A53-4C82-9FF7-C53D07090E0E}"/>
-              </a:ext>
-            </a:extLst>
-          </p:cNvPr>
-          <p:cNvSpPr/>
-          <p:nvPr/>
-        </p:nvSpPr>
-        <p:spPr>
-          <a:xfrm>
-            <a:off x="0" y="6335484"/>
-            <a:ext cx="12192000" cy="522516"/>
-          </a:xfrm>
-          <a:prstGeom prst="rect">
-            <a:avLst/>
-          </a:prstGeom>
-          <a:solidFill>
-            <a:srgbClr val="08CE83"/>
-          </a:solidFill>
-          <a:ln>
-            <a:noFill/>
-          </a:ln>
-        </p:spPr>
-        <p:style>
-          <a:lnRef idx="2">
-            <a:schemeClr val="accent1">
-              <a:shade val="50000"/>
-            </a:schemeClr>
-          </a:lnRef>
-          <a:fillRef idx="1">
-            <a:schemeClr val="accent1"/>
-          </a:fillRef>
-          <a:effectRef idx="0">
-            <a:schemeClr val="accent1"/>
-          </a:effectRef>
-          <a:fontRef idx="minor">
-            <a:schemeClr val="lt1"/>
-          </a:fontRef>
-        </p:style>
-        <p:txBody>
-          <a:bodyPr rtlCol="0" anchor="ctr"/>
-          <a:lstStyle/>
-          <a:p>
-            <a:pPr algn="ctr"/>
-            <a:endParaRPr lang="en-US"/>
-          </a:p>
-        </p:txBody>
-      </p:sp>
-      <p:sp>
-        <p:nvSpPr>
-          <p:cNvPr id="4" name="Footer Placeholder 3">
-            <a:extLst>
-              <a:ext uri="{FF2B5EF4-FFF2-40B4-BE49-F238E27FC236}">
-                <a16:creationId xmlns:a16="http://schemas.microsoft.com/office/drawing/2014/main" id="{313896CA-8C67-4DE5-9FEC-0057A44301F1}"/>
-              </a:ext>
-            </a:extLst>
-          </p:cNvPr>
-          <p:cNvSpPr>
-            <a:spLocks noGrp="1"/>
-          </p:cNvSpPr>
-          <p:nvPr>
-            <p:ph type="ftr" sz="quarter" idx="11"/>
-          </p:nvPr>
-        </p:nvSpPr>
-        <p:spPr>
-          <a:xfrm>
-            <a:off x="5597979" y="6414178"/>
-            <a:ext cx="996042" cy="365125"/>
-          </a:xfrm>
-        </p:spPr>
-        <p:txBody>
-          <a:bodyPr/>
-          <a:lstStyle/>
-          <a:p>
-            <a:fld id="{85222E6B-A692-4F22-B829-6CDE6DAA2FC5}" type="slidenum">
-              <a:rPr lang="en-US" sz="1400" b="1" smtClean="0">
-                <a:solidFill>
-                  <a:schemeClr val="bg1"/>
-                </a:solidFill>
-              </a:rPr>
-              <a:t>9</a:t>
-            </a:fld>
-            <a:endParaRPr lang="en-US" sz="1400" b="1" dirty="0">
-              <a:solidFill>
-                <a:schemeClr val="bg1"/>
-              </a:solidFill>
-            </a:endParaRPr>
-          </a:p>
-        </p:txBody>
-      </p:sp>
-      <p:sp>
-        <p:nvSpPr>
-          <p:cNvPr id="5" name="Footer Placeholder 3">
-            <a:extLst>
-              <a:ext uri="{FF2B5EF4-FFF2-40B4-BE49-F238E27FC236}">
-                <a16:creationId xmlns:a16="http://schemas.microsoft.com/office/drawing/2014/main" id="{E5A65338-FFC5-4A25-B760-AEA785441EAC}"/>
-              </a:ext>
-            </a:extLst>
-          </p:cNvPr>
-          <p:cNvSpPr txBox="1">
-            <a:spLocks/>
-          </p:cNvSpPr>
-          <p:nvPr/>
-        </p:nvSpPr>
-        <p:spPr>
-          <a:xfrm>
-            <a:off x="-13218" y="6414179"/>
-            <a:ext cx="4174671" cy="365125"/>
-          </a:xfrm>
-          <a:prstGeom prst="rect">
-            <a:avLst/>
-          </a:prstGeom>
-        </p:spPr>
-        <p:txBody>
-          <a:bodyPr vert="horz" lIns="91440" tIns="45720" rIns="91440" bIns="45720" rtlCol="0" anchor="ctr"/>
-          <a:lstStyle>
-            <a:defPPr>
-              <a:defRPr lang="en-US"/>
-            </a:defPPr>
-            <a:lvl1pPr marL="0" algn="ctr" defTabSz="914400" rtl="0" eaLnBrk="1" latinLnBrk="0" hangingPunct="1">
-              <a:defRPr sz="1200" kern="1200">
-                <a:solidFill>
-                  <a:schemeClr val="tx1">
-                    <a:tint val="75000"/>
-                  </a:schemeClr>
-                </a:solidFill>
-                <a:latin typeface="+mn-lt"/>
-                <a:ea typeface="+mn-ea"/>
-                <a:cs typeface="+mn-cs"/>
-              </a:defRPr>
-            </a:lvl1pPr>
-            <a:lvl2pPr marL="457200" algn="l" defTabSz="914400" rtl="0" eaLnBrk="1" latinLnBrk="0" hangingPunct="1">
-              <a:defRPr sz="1800" kern="1200">
-                <a:solidFill>
-                  <a:schemeClr val="tx1"/>
-                </a:solidFill>
-                <a:latin typeface="+mn-lt"/>
-                <a:ea typeface="+mn-ea"/>
-                <a:cs typeface="+mn-cs"/>
-              </a:defRPr>
-            </a:lvl2pPr>
-            <a:lvl3pPr marL="914400" algn="l" defTabSz="914400" rtl="0" eaLnBrk="1" latinLnBrk="0" hangingPunct="1">
-              <a:defRPr sz="1800" kern="1200">
-                <a:solidFill>
-                  <a:schemeClr val="tx1"/>
-                </a:solidFill>
-                <a:latin typeface="+mn-lt"/>
-                <a:ea typeface="+mn-ea"/>
-                <a:cs typeface="+mn-cs"/>
-              </a:defRPr>
-            </a:lvl3pPr>
-            <a:lvl4pPr marL="1371600" algn="l" defTabSz="914400" rtl="0" eaLnBrk="1" latinLnBrk="0" hangingPunct="1">
-              <a:defRPr sz="1800" kern="1200">
-                <a:solidFill>
-                  <a:schemeClr val="tx1"/>
-                </a:solidFill>
-                <a:latin typeface="+mn-lt"/>
-                <a:ea typeface="+mn-ea"/>
-                <a:cs typeface="+mn-cs"/>
-              </a:defRPr>
-            </a:lvl4pPr>
-            <a:lvl5pPr marL="1828800" algn="l" defTabSz="914400" rtl="0" eaLnBrk="1" latinLnBrk="0" hangingPunct="1">
-              <a:defRPr sz="1800" kern="1200">
-                <a:solidFill>
-                  <a:schemeClr val="tx1"/>
-                </a:solidFill>
-                <a:latin typeface="+mn-lt"/>
-                <a:ea typeface="+mn-ea"/>
-                <a:cs typeface="+mn-cs"/>
-              </a:defRPr>
-            </a:lvl5pPr>
-            <a:lvl6pPr marL="2286000" algn="l" defTabSz="914400" rtl="0" eaLnBrk="1" latinLnBrk="0" hangingPunct="1">
-              <a:defRPr sz="1800" kern="1200">
-                <a:solidFill>
-                  <a:schemeClr val="tx1"/>
-                </a:solidFill>
-                <a:latin typeface="+mn-lt"/>
-                <a:ea typeface="+mn-ea"/>
-                <a:cs typeface="+mn-cs"/>
-              </a:defRPr>
-            </a:lvl6pPr>
-            <a:lvl7pPr marL="2743200" algn="l" defTabSz="914400" rtl="0" eaLnBrk="1" latinLnBrk="0" hangingPunct="1">
-              <a:defRPr sz="1800" kern="1200">
-                <a:solidFill>
-                  <a:schemeClr val="tx1"/>
-                </a:solidFill>
-                <a:latin typeface="+mn-lt"/>
-                <a:ea typeface="+mn-ea"/>
-                <a:cs typeface="+mn-cs"/>
-              </a:defRPr>
-            </a:lvl7pPr>
-            <a:lvl8pPr marL="3200400" algn="l" defTabSz="914400" rtl="0" eaLnBrk="1" latinLnBrk="0" hangingPunct="1">
-              <a:defRPr sz="1800" kern="1200">
-                <a:solidFill>
-                  <a:schemeClr val="tx1"/>
-                </a:solidFill>
-                <a:latin typeface="+mn-lt"/>
-                <a:ea typeface="+mn-ea"/>
-                <a:cs typeface="+mn-cs"/>
-              </a:defRPr>
-            </a:lvl8pPr>
-            <a:lvl9pPr marL="3657600" algn="l" defTabSz="914400" rtl="0" eaLnBrk="1" latinLnBrk="0" hangingPunct="1">
-              <a:defRPr sz="1800" kern="1200">
-                <a:solidFill>
-                  <a:schemeClr val="tx1"/>
-                </a:solidFill>
-                <a:latin typeface="+mn-lt"/>
-                <a:ea typeface="+mn-ea"/>
-                <a:cs typeface="+mn-cs"/>
-              </a:defRPr>
-            </a:lvl9pPr>
-          </a:lstStyle>
-          <a:p>
-            <a:r>
-              <a:rPr lang="en-US" sz="1600" dirty="0">
-                <a:solidFill>
-                  <a:schemeClr val="bg1"/>
-                </a:solidFill>
-              </a:rPr>
-              <a:t>Design &amp; Analysis of Algorithms Spring 2018</a:t>
-            </a:r>
-          </a:p>
-        </p:txBody>
-      </p:sp>
-      <p:sp>
-        <p:nvSpPr>
-          <p:cNvPr id="6" name="TextBox 5">
-            <a:extLst>
-              <a:ext uri="{FF2B5EF4-FFF2-40B4-BE49-F238E27FC236}">
-                <a16:creationId xmlns:a16="http://schemas.microsoft.com/office/drawing/2014/main" id="{D7C9DAA8-2615-4EE8-8AA3-C18030E2EF0A}"/>
-              </a:ext>
-            </a:extLst>
-          </p:cNvPr>
-          <p:cNvSpPr txBox="1"/>
-          <p:nvPr/>
-        </p:nvSpPr>
-        <p:spPr>
-          <a:xfrm>
-            <a:off x="382554" y="470582"/>
-            <a:ext cx="4609323" cy="1015663"/>
-          </a:xfrm>
-          <a:prstGeom prst="rect">
-            <a:avLst/>
-          </a:prstGeom>
-          <a:noFill/>
-        </p:spPr>
-        <p:txBody>
-          <a:bodyPr wrap="square" rtlCol="0">
-            <a:spAutoFit/>
-          </a:bodyPr>
-          <a:lstStyle/>
-          <a:p>
-            <a:r>
-              <a:rPr lang="en-US" sz="3200" dirty="0"/>
-              <a:t>RESULTS:</a:t>
-            </a:r>
-          </a:p>
-          <a:p>
-            <a:r>
-              <a:rPr lang="en-US" sz="2800" dirty="0"/>
-              <a:t>Time</a:t>
-            </a:r>
-          </a:p>
-        </p:txBody>
-      </p:sp>
-      <p:pic>
-        <p:nvPicPr>
-          <p:cNvPr id="3" name="Picture 2">
-            <a:extLst>
-              <a:ext uri="{FF2B5EF4-FFF2-40B4-BE49-F238E27FC236}">
-                <a16:creationId xmlns:a16="http://schemas.microsoft.com/office/drawing/2014/main" id="{F73DB939-74A5-4D51-A8F4-4252BD531023}"/>
-              </a:ext>
-            </a:extLst>
-          </p:cNvPr>
-          <p:cNvPicPr>
-            <a:picLocks noChangeAspect="1"/>
-          </p:cNvPicPr>
-          <p:nvPr/>
-        </p:nvPicPr>
-        <p:blipFill>
-          <a:blip r:embed="rId2">
-            <a:extLst>
-              <a:ext uri="{28A0092B-C50C-407E-A947-70E740481C1C}">
-                <a14:useLocalDpi xmlns:a14="http://schemas.microsoft.com/office/drawing/2010/main" val="0"/>
-              </a:ext>
-            </a:extLst>
-          </a:blip>
-          <a:stretch>
-            <a:fillRect/>
-          </a:stretch>
-        </p:blipFill>
-        <p:spPr>
-          <a:xfrm>
-            <a:off x="52274" y="1912618"/>
-            <a:ext cx="4043685" cy="3032764"/>
-          </a:xfrm>
-          <a:prstGeom prst="rect">
-            <a:avLst/>
-          </a:prstGeom>
-        </p:spPr>
-      </p:pic>
-      <p:pic>
-        <p:nvPicPr>
-          <p:cNvPr id="9" name="Picture 8">
-            <a:extLst>
-              <a:ext uri="{FF2B5EF4-FFF2-40B4-BE49-F238E27FC236}">
-                <a16:creationId xmlns:a16="http://schemas.microsoft.com/office/drawing/2014/main" id="{B2D2152E-730E-4E34-B8C9-8E2CF7332542}"/>
-              </a:ext>
-            </a:extLst>
-          </p:cNvPr>
-          <p:cNvPicPr>
-            <a:picLocks noChangeAspect="1"/>
-          </p:cNvPicPr>
-          <p:nvPr/>
-        </p:nvPicPr>
-        <p:blipFill>
-          <a:blip r:embed="rId3">
-            <a:extLst>
-              <a:ext uri="{28A0092B-C50C-407E-A947-70E740481C1C}">
-                <a14:useLocalDpi xmlns:a14="http://schemas.microsoft.com/office/drawing/2010/main" val="0"/>
-              </a:ext>
-            </a:extLst>
-          </a:blip>
-          <a:stretch>
-            <a:fillRect/>
-          </a:stretch>
-        </p:blipFill>
-        <p:spPr>
-          <a:xfrm>
-            <a:off x="4074157" y="1912618"/>
-            <a:ext cx="4043685" cy="3032764"/>
-          </a:xfrm>
-          <a:prstGeom prst="rect">
-            <a:avLst/>
-          </a:prstGeom>
-        </p:spPr>
-      </p:pic>
-      <p:pic>
-        <p:nvPicPr>
-          <p:cNvPr id="11" name="Picture 10">
-            <a:extLst>
-              <a:ext uri="{FF2B5EF4-FFF2-40B4-BE49-F238E27FC236}">
-                <a16:creationId xmlns:a16="http://schemas.microsoft.com/office/drawing/2014/main" id="{61FEB999-4ED5-45B5-BD12-01F50C3EB84E}"/>
-              </a:ext>
-            </a:extLst>
-          </p:cNvPr>
-          <p:cNvPicPr>
-            <a:picLocks noChangeAspect="1"/>
-          </p:cNvPicPr>
-          <p:nvPr/>
-        </p:nvPicPr>
-        <p:blipFill>
-          <a:blip r:embed="rId4">
-            <a:extLst>
-              <a:ext uri="{28A0092B-C50C-407E-A947-70E740481C1C}">
-                <a14:useLocalDpi xmlns:a14="http://schemas.microsoft.com/office/drawing/2010/main" val="0"/>
-              </a:ext>
-            </a:extLst>
-          </a:blip>
-          <a:stretch>
-            <a:fillRect/>
-          </a:stretch>
-        </p:blipFill>
-        <p:spPr>
-          <a:xfrm>
-            <a:off x="8001000" y="1912618"/>
-            <a:ext cx="4043685" cy="3032764"/>
-          </a:xfrm>
-          <a:prstGeom prst="rect">
-            <a:avLst/>
-          </a:prstGeom>
-        </p:spPr>
-      </p:pic>
-    </p:spTree>
-    <p:extLst>
-      <p:ext uri="{BB962C8B-B14F-4D97-AF65-F5344CB8AC3E}">
-        <p14:creationId xmlns:p14="http://schemas.microsoft.com/office/powerpoint/2010/main" val="2110872427"/>
       </p:ext>
     </p:extLst>
   </p:cSld>

--- a/Spring 2018/Design and Analysis of Algorithms/Research Project/Presentation/Presentation.pptx
+++ b/Spring 2018/Design and Analysis of Algorithms/Research Project/Presentation/Presentation.pptx
@@ -222,7 +222,7 @@
           <a:p>
             <a:fld id="{1AF5F2FE-A072-4B3D-B491-0B04188A9056}" type="datetimeFigureOut">
               <a:rPr lang="en-US" smtClean="0"/>
-              <a:t>4/9/2018</a:t>
+              <a:t>4/10/2018</a:t>
             </a:fld>
             <a:endParaRPr lang="en-US"/>
           </a:p>
@@ -636,7 +636,7 @@
           <a:p>
             <a:fld id="{356611C6-332D-4C37-96E2-7F97A9BDB931}" type="datetime1">
               <a:rPr lang="en-US" smtClean="0"/>
-              <a:t>4/9/2018</a:t>
+              <a:t>4/10/2018</a:t>
             </a:fld>
             <a:endParaRPr lang="en-US"/>
           </a:p>
@@ -837,7 +837,7 @@
           <a:p>
             <a:fld id="{890E92DC-ED22-401B-A242-83B488FECE37}" type="datetime1">
               <a:rPr lang="en-US" smtClean="0"/>
-              <a:t>4/9/2018</a:t>
+              <a:t>4/10/2018</a:t>
             </a:fld>
             <a:endParaRPr lang="en-US"/>
           </a:p>
@@ -1048,7 +1048,7 @@
           <a:p>
             <a:fld id="{5BEB23B3-45B8-4CE9-8C52-9138CEE1E9EF}" type="datetime1">
               <a:rPr lang="en-US" smtClean="0"/>
-              <a:t>4/9/2018</a:t>
+              <a:t>4/10/2018</a:t>
             </a:fld>
             <a:endParaRPr lang="en-US"/>
           </a:p>
@@ -1249,7 +1249,7 @@
           <a:p>
             <a:fld id="{053CA760-026A-489D-9E74-9CCF3C6DEE0C}" type="datetime1">
               <a:rPr lang="en-US" smtClean="0"/>
-              <a:t>4/9/2018</a:t>
+              <a:t>4/10/2018</a:t>
             </a:fld>
             <a:endParaRPr lang="en-US"/>
           </a:p>
@@ -1527,7 +1527,7 @@
           <a:p>
             <a:fld id="{DC6D2640-87FF-4693-B2B0-0B4CAD60287C}" type="datetime1">
               <a:rPr lang="en-US" smtClean="0"/>
-              <a:t>4/9/2018</a:t>
+              <a:t>4/10/2018</a:t>
             </a:fld>
             <a:endParaRPr lang="en-US"/>
           </a:p>
@@ -1795,7 +1795,7 @@
           <a:p>
             <a:fld id="{164F4055-43CA-4CE7-A484-D7CC557BB876}" type="datetime1">
               <a:rPr lang="en-US" smtClean="0"/>
-              <a:t>4/9/2018</a:t>
+              <a:t>4/10/2018</a:t>
             </a:fld>
             <a:endParaRPr lang="en-US"/>
           </a:p>
@@ -2210,7 +2210,7 @@
           <a:p>
             <a:fld id="{037B43AA-982F-44D8-B3D2-8D615616B05E}" type="datetime1">
               <a:rPr lang="en-US" smtClean="0"/>
-              <a:t>4/9/2018</a:t>
+              <a:t>4/10/2018</a:t>
             </a:fld>
             <a:endParaRPr lang="en-US"/>
           </a:p>
@@ -2354,7 +2354,7 @@
           <a:p>
             <a:fld id="{290F3D94-C5C7-4AD0-83FC-12861A3AEF61}" type="datetime1">
               <a:rPr lang="en-US" smtClean="0"/>
-              <a:t>4/9/2018</a:t>
+              <a:t>4/10/2018</a:t>
             </a:fld>
             <a:endParaRPr lang="en-US"/>
           </a:p>
@@ -2470,7 +2470,7 @@
           <a:p>
             <a:fld id="{3E338E03-ACBA-4F33-A4F8-611E20B19206}" type="datetime1">
               <a:rPr lang="en-US" smtClean="0"/>
-              <a:t>4/9/2018</a:t>
+              <a:t>4/10/2018</a:t>
             </a:fld>
             <a:endParaRPr lang="en-US"/>
           </a:p>
@@ -2784,7 +2784,7 @@
           <a:p>
             <a:fld id="{88A2276F-E918-4C9F-A85C-4232C1481B3B}" type="datetime1">
               <a:rPr lang="en-US" smtClean="0"/>
-              <a:t>4/9/2018</a:t>
+              <a:t>4/10/2018</a:t>
             </a:fld>
             <a:endParaRPr lang="en-US"/>
           </a:p>
@@ -3075,7 +3075,7 @@
           <a:p>
             <a:fld id="{79823708-8AB9-4BBA-B9DC-81308311464A}" type="datetime1">
               <a:rPr lang="en-US" smtClean="0"/>
-              <a:t>4/9/2018</a:t>
+              <a:t>4/10/2018</a:t>
             </a:fld>
             <a:endParaRPr lang="en-US"/>
           </a:p>
@@ -3319,7 +3319,7 @@
           <a:p>
             <a:fld id="{17E25D1E-AC31-449E-9158-6677BC818810}" type="datetime1">
               <a:rPr lang="en-US" smtClean="0"/>
-              <a:t>4/9/2018</a:t>
+              <a:t>4/10/2018</a:t>
             </a:fld>
             <a:endParaRPr lang="en-US"/>
           </a:p>
@@ -6034,7 +6034,7 @@
           <p:nvPr>
             <p:extLst>
               <p:ext uri="{D42A27DB-BD31-4B8C-83A1-F6EECF244321}">
-                <p14:modId xmlns:p14="http://schemas.microsoft.com/office/powerpoint/2010/main" val="1873236224"/>
+                <p14:modId xmlns:p14="http://schemas.microsoft.com/office/powerpoint/2010/main" val="3652202054"/>
               </p:ext>
             </p:extLst>
           </p:nvPr>
@@ -6074,7 +6074,7 @@
                       <a:pPr algn="ctr"/>
                       <a:r>
                         <a:rPr lang="en-US" sz="4000" dirty="0"/>
-                        <a:t>SGD</a:t>
+                        <a:t>RMS</a:t>
                       </a:r>
                     </a:p>
                   </a:txBody>
@@ -6088,7 +6088,7 @@
                       <a:pPr algn="ctr"/>
                       <a:r>
                         <a:rPr lang="en-US" sz="4000" dirty="0"/>
-                        <a:t>RMS</a:t>
+                        <a:t>SGD</a:t>
                       </a:r>
                     </a:p>
                   </a:txBody>
